--- a/docs/Presentacion TFG.pptx
+++ b/docs/Presentacion TFG.pptx
@@ -5,10 +5,10 @@
     <p:sldMasterId id="2147483672" r:id="rId4"/>
   </p:sldMasterIdLst>
   <p:notesMasterIdLst>
-    <p:notesMasterId r:id="rId37"/>
+    <p:notesMasterId r:id="rId38"/>
   </p:notesMasterIdLst>
   <p:handoutMasterIdLst>
-    <p:handoutMasterId r:id="rId38"/>
+    <p:handoutMasterId r:id="rId39"/>
   </p:handoutMasterIdLst>
   <p:sldIdLst>
     <p:sldId id="256" r:id="rId5"/>
@@ -40,9 +40,10 @@
     <p:sldId id="288" r:id="rId31"/>
     <p:sldId id="282" r:id="rId32"/>
     <p:sldId id="283" r:id="rId33"/>
-    <p:sldId id="289" r:id="rId34"/>
-    <p:sldId id="290" r:id="rId35"/>
-    <p:sldId id="260" r:id="rId36"/>
+    <p:sldId id="291" r:id="rId34"/>
+    <p:sldId id="289" r:id="rId35"/>
+    <p:sldId id="290" r:id="rId36"/>
+    <p:sldId id="260" r:id="rId37"/>
   </p:sldIdLst>
   <p:sldSz cx="12192000" cy="6858000"/>
   <p:notesSz cx="6858000" cy="9144000"/>
@@ -854,7 +855,7 @@
             <a:pPr rtl="0"/>
             <a:fld id="{C6B3AB32-59DF-41F1-9618-EDFBF5049629}" type="slidenum">
               <a:rPr lang="es-ES" smtClean="0"/>
-              <a:t>32</a:t>
+              <a:t>33</a:t>
             </a:fld>
             <a:endParaRPr lang="es-ES"/>
           </a:p>
@@ -7632,7 +7633,7 @@
           <p:cNvPr id="2" name="Título 1">
             <a:extLst>
               <a:ext uri="{FF2B5EF4-FFF2-40B4-BE49-F238E27FC236}">
-                <a16:creationId xmlns:a16="http://schemas.microsoft.com/office/drawing/2014/main" id="{C0D4FF4B-079D-876D-7023-B12B79D3E655}"/>
+                <a16:creationId xmlns:a16="http://schemas.microsoft.com/office/drawing/2014/main" id="{6ECE8F4F-5852-7705-2E1C-B730FE62AC0D}"/>
               </a:ext>
             </a:extLst>
           </p:cNvPr>
@@ -7650,7 +7651,7 @@
           <a:p>
             <a:r>
               <a:rPr lang="es-ES" dirty="0" err="1"/>
-              <a:t>Despliege</a:t>
+              <a:t>Tests</a:t>
             </a:r>
             <a:endParaRPr lang="es-ES" dirty="0"/>
           </a:p>
@@ -7658,19 +7659,17 @@
       </p:sp>
       <p:pic>
         <p:nvPicPr>
-          <p:cNvPr id="9" name="Marcador de contenido 8">
+          <p:cNvPr id="4" name="Imagen 3" descr="Interfaz de usuario gráfica&#10;&#10;Descripción generada automáticamente">
             <a:extLst>
               <a:ext uri="{FF2B5EF4-FFF2-40B4-BE49-F238E27FC236}">
-                <a16:creationId xmlns:a16="http://schemas.microsoft.com/office/drawing/2014/main" id="{ABCD7931-5A5D-6DEA-3F10-724B0489489C}"/>
+                <a16:creationId xmlns:a16="http://schemas.microsoft.com/office/drawing/2014/main" id="{40768248-41C0-1AD4-246E-E70708739132}"/>
               </a:ext>
             </a:extLst>
           </p:cNvPr>
           <p:cNvPicPr>
-            <a:picLocks noGrp="1" noChangeAspect="1"/>
+            <a:picLocks noChangeAspect="1"/>
           </p:cNvPicPr>
-          <p:nvPr>
-            <p:ph idx="1"/>
-          </p:nvPr>
+          <p:nvPr/>
         </p:nvPicPr>
         <p:blipFill>
           <a:blip r:embed="rId2"/>
@@ -7680,55 +7679,18 @@
         </p:blipFill>
         <p:spPr>
           <a:xfrm>
-            <a:off x="2467659" y="3191774"/>
-            <a:ext cx="6300238" cy="3184912"/>
-          </a:xfrm>
-        </p:spPr>
-      </p:pic>
-      <p:sp>
-        <p:nvSpPr>
-          <p:cNvPr id="10" name="CuadroTexto 9">
-            <a:extLst>
-              <a:ext uri="{FF2B5EF4-FFF2-40B4-BE49-F238E27FC236}">
-                <a16:creationId xmlns:a16="http://schemas.microsoft.com/office/drawing/2014/main" id="{0BCC2CBE-70CD-603C-09DC-D550BB8CC815}"/>
-              </a:ext>
-            </a:extLst>
-          </p:cNvPr>
-          <p:cNvSpPr txBox="1"/>
-          <p:nvPr/>
-        </p:nvSpPr>
-        <p:spPr>
-          <a:xfrm>
-            <a:off x="374158" y="2018580"/>
-            <a:ext cx="9485834" cy="369332"/>
+            <a:off x="1052422" y="2913431"/>
+            <a:ext cx="10087155" cy="1862799"/>
           </a:xfrm>
           <a:prstGeom prst="rect">
             <a:avLst/>
           </a:prstGeom>
-          <a:noFill/>
         </p:spPr>
-        <p:txBody>
-          <a:bodyPr wrap="square" rtlCol="0">
-            <a:spAutoFit/>
-          </a:bodyPr>
-          <a:lstStyle/>
-          <a:p>
-            <a:r>
-              <a:rPr lang="es-ES" dirty="0"/>
-              <a:t>Primero se compila y se sube la imagen a Docker </a:t>
-            </a:r>
-            <a:r>
-              <a:rPr lang="es-ES" dirty="0" err="1"/>
-              <a:t>hub</a:t>
-            </a:r>
-            <a:endParaRPr lang="es-ES" dirty="0"/>
-          </a:p>
-        </p:txBody>
-      </p:sp>
+      </p:pic>
     </p:spTree>
     <p:extLst>
       <p:ext uri="{BB962C8B-B14F-4D97-AF65-F5344CB8AC3E}">
-        <p14:creationId xmlns:p14="http://schemas.microsoft.com/office/powerpoint/2010/main" val="4164825674"/>
+        <p14:creationId xmlns:p14="http://schemas.microsoft.com/office/powerpoint/2010/main" val="2680079213"/>
       </p:ext>
     </p:extLst>
   </p:cSld>
@@ -7786,6 +7748,134 @@
       </p:sp>
       <p:pic>
         <p:nvPicPr>
+          <p:cNvPr id="9" name="Marcador de contenido 8">
+            <a:extLst>
+              <a:ext uri="{FF2B5EF4-FFF2-40B4-BE49-F238E27FC236}">
+                <a16:creationId xmlns:a16="http://schemas.microsoft.com/office/drawing/2014/main" id="{ABCD7931-5A5D-6DEA-3F10-724B0489489C}"/>
+              </a:ext>
+            </a:extLst>
+          </p:cNvPr>
+          <p:cNvPicPr>
+            <a:picLocks noGrp="1" noChangeAspect="1"/>
+          </p:cNvPicPr>
+          <p:nvPr>
+            <p:ph idx="1"/>
+          </p:nvPr>
+        </p:nvPicPr>
+        <p:blipFill>
+          <a:blip r:embed="rId2"/>
+          <a:stretch>
+            <a:fillRect/>
+          </a:stretch>
+        </p:blipFill>
+        <p:spPr>
+          <a:xfrm>
+            <a:off x="2467659" y="3191774"/>
+            <a:ext cx="6300238" cy="3184912"/>
+          </a:xfrm>
+        </p:spPr>
+      </p:pic>
+      <p:sp>
+        <p:nvSpPr>
+          <p:cNvPr id="10" name="CuadroTexto 9">
+            <a:extLst>
+              <a:ext uri="{FF2B5EF4-FFF2-40B4-BE49-F238E27FC236}">
+                <a16:creationId xmlns:a16="http://schemas.microsoft.com/office/drawing/2014/main" id="{0BCC2CBE-70CD-603C-09DC-D550BB8CC815}"/>
+              </a:ext>
+            </a:extLst>
+          </p:cNvPr>
+          <p:cNvSpPr txBox="1"/>
+          <p:nvPr/>
+        </p:nvSpPr>
+        <p:spPr>
+          <a:xfrm>
+            <a:off x="374158" y="2018580"/>
+            <a:ext cx="9485834" cy="369332"/>
+          </a:xfrm>
+          <a:prstGeom prst="rect">
+            <a:avLst/>
+          </a:prstGeom>
+          <a:noFill/>
+        </p:spPr>
+        <p:txBody>
+          <a:bodyPr wrap="square" rtlCol="0">
+            <a:spAutoFit/>
+          </a:bodyPr>
+          <a:lstStyle/>
+          <a:p>
+            <a:r>
+              <a:rPr lang="es-ES" dirty="0"/>
+              <a:t>Primero se compila y se sube la imagen a Docker </a:t>
+            </a:r>
+            <a:r>
+              <a:rPr lang="es-ES" dirty="0" err="1"/>
+              <a:t>hub</a:t>
+            </a:r>
+            <a:endParaRPr lang="es-ES" dirty="0"/>
+          </a:p>
+        </p:txBody>
+      </p:sp>
+    </p:spTree>
+    <p:extLst>
+      <p:ext uri="{BB962C8B-B14F-4D97-AF65-F5344CB8AC3E}">
+        <p14:creationId xmlns:p14="http://schemas.microsoft.com/office/powerpoint/2010/main" val="4164825674"/>
+      </p:ext>
+    </p:extLst>
+  </p:cSld>
+  <p:clrMapOvr>
+    <a:masterClrMapping/>
+  </p:clrMapOvr>
+</p:sld>
+</file>
+
+<file path=ppt/slides/slide32.xml><?xml version="1.0" encoding="utf-8"?>
+<p:sld xmlns:a="http://schemas.openxmlformats.org/drawingml/2006/main" xmlns:r="http://schemas.openxmlformats.org/officeDocument/2006/relationships" xmlns:p="http://schemas.openxmlformats.org/presentationml/2006/main">
+  <p:cSld>
+    <p:spTree>
+      <p:nvGrpSpPr>
+        <p:cNvPr id="1" name=""/>
+        <p:cNvGrpSpPr/>
+        <p:nvPr/>
+      </p:nvGrpSpPr>
+      <p:grpSpPr>
+        <a:xfrm>
+          <a:off x="0" y="0"/>
+          <a:ext cx="0" cy="0"/>
+          <a:chOff x="0" y="0"/>
+          <a:chExt cx="0" cy="0"/>
+        </a:xfrm>
+      </p:grpSpPr>
+      <p:sp>
+        <p:nvSpPr>
+          <p:cNvPr id="2" name="Título 1">
+            <a:extLst>
+              <a:ext uri="{FF2B5EF4-FFF2-40B4-BE49-F238E27FC236}">
+                <a16:creationId xmlns:a16="http://schemas.microsoft.com/office/drawing/2014/main" id="{C0D4FF4B-079D-876D-7023-B12B79D3E655}"/>
+              </a:ext>
+            </a:extLst>
+          </p:cNvPr>
+          <p:cNvSpPr>
+            <a:spLocks noGrp="1"/>
+          </p:cNvSpPr>
+          <p:nvPr>
+            <p:ph type="title"/>
+          </p:nvPr>
+        </p:nvSpPr>
+        <p:spPr/>
+        <p:txBody>
+          <a:bodyPr/>
+          <a:lstStyle/>
+          <a:p>
+            <a:r>
+              <a:rPr lang="es-ES" dirty="0" err="1"/>
+              <a:t>Despliege</a:t>
+            </a:r>
+            <a:endParaRPr lang="es-ES" dirty="0"/>
+          </a:p>
+        </p:txBody>
+      </p:sp>
+      <p:pic>
+        <p:nvPicPr>
           <p:cNvPr id="5" name="Marcador de contenido 4">
             <a:extLst>
               <a:ext uri="{FF2B5EF4-FFF2-40B4-BE49-F238E27FC236}">
@@ -7866,7 +7956,7 @@
 </p:sld>
 </file>
 
-<file path=ppt/slides/slide32.xml><?xml version="1.0" encoding="utf-8"?>
+<file path=ppt/slides/slide33.xml><?xml version="1.0" encoding="utf-8"?>
 <p:sld xmlns:a="http://schemas.openxmlformats.org/drawingml/2006/main" xmlns:r="http://schemas.openxmlformats.org/officeDocument/2006/relationships" xmlns:p="http://schemas.openxmlformats.org/presentationml/2006/main">
   <p:cSld>
     <p:bg>
@@ -9847,6 +9937,23 @@
 </file>
 
 <file path=customXml/item1.xml><?xml version="1.0" encoding="utf-8"?>
+<p:properties xmlns:p="http://schemas.microsoft.com/office/2006/metadata/properties" xmlns:xsi="http://www.w3.org/2001/XMLSchema-instance" xmlns:pc="http://schemas.microsoft.com/office/infopath/2007/PartnerControls">
+  <documentManagement>
+    <_activity xmlns="669941d9-8c40-494f-914b-e937a1d7a1f3" xsi:nil="true"/>
+  </documentManagement>
+</p:properties>
+</file>
+
+<file path=customXml/item2.xml><?xml version="1.0" encoding="utf-8"?>
+<?mso-contentType ?>
+<FormTemplates xmlns="http://schemas.microsoft.com/sharepoint/v3/contenttype/forms">
+  <Display>DocumentLibraryForm</Display>
+  <Edit>DocumentLibraryForm</Edit>
+  <New>DocumentLibraryForm</New>
+</FormTemplates>
+</file>
+
+<file path=customXml/item3.xml><?xml version="1.0" encoding="utf-8"?>
 <ct:contentTypeSchema xmlns:ct="http://schemas.microsoft.com/office/2006/metadata/contentType" xmlns:ma="http://schemas.microsoft.com/office/2006/metadata/properties/metaAttributes" ct:_="" ma:_="" ma:contentTypeName="Documento" ma:contentTypeID="0x01010018269F7D5DC8954DA04858F658EE68F4" ma:contentTypeVersion="9" ma:contentTypeDescription="Crear nuevo documento." ma:contentTypeScope="" ma:versionID="4233307990cb3217e9fe0af0931c338e">
   <xsd:schema xmlns:xsd="http://www.w3.org/2001/XMLSchema" xmlns:xs="http://www.w3.org/2001/XMLSchema" xmlns:p="http://schemas.microsoft.com/office/2006/metadata/properties" xmlns:ns3="669941d9-8c40-494f-914b-e937a1d7a1f3" xmlns:ns4="a3230ccd-d45a-4e3a-9e52-413f0e144af1" targetNamespace="http://schemas.microsoft.com/office/2006/metadata/properties" ma:root="true" ma:fieldsID="db81fbfb21eb799e2b606b6897bfd034" ns3:_="" ns4:_="">
     <xsd:import namespace="669941d9-8c40-494f-914b-e937a1d7a1f3"/>
@@ -10043,24 +10150,32 @@
 </ct:contentTypeSchema>
 </file>
 
-<file path=customXml/item2.xml><?xml version="1.0" encoding="utf-8"?>
-<?mso-contentType ?>
-<FormTemplates xmlns="http://schemas.microsoft.com/sharepoint/v3/contenttype/forms">
-  <Display>DocumentLibraryForm</Display>
-  <Edit>DocumentLibraryForm</Edit>
-  <New>DocumentLibraryForm</New>
-</FormTemplates>
+<file path=customXml/itemProps1.xml><?xml version="1.0" encoding="utf-8"?>
+<ds:datastoreItem xmlns:ds="http://schemas.openxmlformats.org/officeDocument/2006/customXml" ds:itemID="{2B163748-C438-44EA-8D86-43437C8578F5}">
+  <ds:schemaRefs>
+    <ds:schemaRef ds:uri="http://schemas.openxmlformats.org/package/2006/metadata/core-properties"/>
+    <ds:schemaRef ds:uri="a3230ccd-d45a-4e3a-9e52-413f0e144af1"/>
+    <ds:schemaRef ds:uri="http://schemas.microsoft.com/office/infopath/2007/PartnerControls"/>
+    <ds:schemaRef ds:uri="http://purl.org/dc/terms/"/>
+    <ds:schemaRef ds:uri="http://schemas.microsoft.com/office/2006/documentManagement/types"/>
+    <ds:schemaRef ds:uri="http://schemas.microsoft.com/office/2006/metadata/properties"/>
+    <ds:schemaRef ds:uri="http://purl.org/dc/elements/1.1/"/>
+    <ds:schemaRef ds:uri="669941d9-8c40-494f-914b-e937a1d7a1f3"/>
+    <ds:schemaRef ds:uri="http://www.w3.org/XML/1998/namespace"/>
+    <ds:schemaRef ds:uri="http://purl.org/dc/dcmitype/"/>
+  </ds:schemaRefs>
+</ds:datastoreItem>
 </file>
 
-<file path=customXml/item3.xml><?xml version="1.0" encoding="utf-8"?>
-<p:properties xmlns:p="http://schemas.microsoft.com/office/2006/metadata/properties" xmlns:xsi="http://www.w3.org/2001/XMLSchema-instance" xmlns:pc="http://schemas.microsoft.com/office/infopath/2007/PartnerControls">
-  <documentManagement>
-    <_activity xmlns="669941d9-8c40-494f-914b-e937a1d7a1f3" xsi:nil="true"/>
-  </documentManagement>
-</p:properties>
+<file path=customXml/itemProps2.xml><?xml version="1.0" encoding="utf-8"?>
+<ds:datastoreItem xmlns:ds="http://schemas.openxmlformats.org/officeDocument/2006/customXml" ds:itemID="{F5DAA923-7BD4-4FE1-8A59-44C02990512F}">
+  <ds:schemaRefs>
+    <ds:schemaRef ds:uri="http://schemas.microsoft.com/sharepoint/v3/contenttype/forms"/>
+  </ds:schemaRefs>
+</ds:datastoreItem>
 </file>
 
-<file path=customXml/itemProps1.xml><?xml version="1.0" encoding="utf-8"?>
+<file path=customXml/itemProps3.xml><?xml version="1.0" encoding="utf-8"?>
 <ds:datastoreItem xmlns:ds="http://schemas.openxmlformats.org/officeDocument/2006/customXml" ds:itemID="{01E6172F-AE9B-4D98-AB13-05657A5CF59A}">
   <ds:schemaRefs>
     <ds:schemaRef ds:uri="http://schemas.microsoft.com/office/2006/metadata/contentType"/>
@@ -10077,29 +10192,4 @@
     <ds:schemaRef ds:uri="http://schemas.microsoft.com/internal/obd"/>
   </ds:schemaRefs>
 </ds:datastoreItem>
-</file>
-
-<file path=customXml/itemProps2.xml><?xml version="1.0" encoding="utf-8"?>
-<ds:datastoreItem xmlns:ds="http://schemas.openxmlformats.org/officeDocument/2006/customXml" ds:itemID="{F5DAA923-7BD4-4FE1-8A59-44C02990512F}">
-  <ds:schemaRefs>
-    <ds:schemaRef ds:uri="http://schemas.microsoft.com/sharepoint/v3/contenttype/forms"/>
-  </ds:schemaRefs>
-</ds:datastoreItem>
-</file>
-
-<file path=customXml/itemProps3.xml><?xml version="1.0" encoding="utf-8"?>
-<ds:datastoreItem xmlns:ds="http://schemas.openxmlformats.org/officeDocument/2006/customXml" ds:itemID="{2B163748-C438-44EA-8D86-43437C8578F5}">
-  <ds:schemaRefs>
-    <ds:schemaRef ds:uri="http://schemas.microsoft.com/office/infopath/2007/PartnerControls"/>
-    <ds:schemaRef ds:uri="http://purl.org/dc/dcmitype/"/>
-    <ds:schemaRef ds:uri="a3230ccd-d45a-4e3a-9e52-413f0e144af1"/>
-    <ds:schemaRef ds:uri="http://schemas.openxmlformats.org/package/2006/metadata/core-properties"/>
-    <ds:schemaRef ds:uri="http://purl.org/dc/terms/"/>
-    <ds:schemaRef ds:uri="http://schemas.microsoft.com/office/2006/documentManagement/types"/>
-    <ds:schemaRef ds:uri="http://schemas.microsoft.com/office/2006/metadata/properties"/>
-    <ds:schemaRef ds:uri="669941d9-8c40-494f-914b-e937a1d7a1f3"/>
-    <ds:schemaRef ds:uri="http://www.w3.org/XML/1998/namespace"/>
-    <ds:schemaRef ds:uri="http://purl.org/dc/elements/1.1/"/>
-  </ds:schemaRefs>
-</ds:datastoreItem>
 </file>
--- a/docs/Presentacion TFG.pptx
+++ b/docs/Presentacion TFG.pptx
@@ -5,10 +5,10 @@
     <p:sldMasterId id="2147483672" r:id="rId4"/>
   </p:sldMasterIdLst>
   <p:notesMasterIdLst>
-    <p:notesMasterId r:id="rId38"/>
+    <p:notesMasterId r:id="rId44"/>
   </p:notesMasterIdLst>
   <p:handoutMasterIdLst>
-    <p:handoutMasterId r:id="rId39"/>
+    <p:handoutMasterId r:id="rId45"/>
   </p:handoutMasterIdLst>
   <p:sldIdLst>
     <p:sldId id="256" r:id="rId5"/>
@@ -33,17 +33,23 @@
     <p:sldId id="284" r:id="rId24"/>
     <p:sldId id="278" r:id="rId25"/>
     <p:sldId id="279" r:id="rId26"/>
-    <p:sldId id="286" r:id="rId27"/>
-    <p:sldId id="280" r:id="rId28"/>
-    <p:sldId id="287" r:id="rId29"/>
-    <p:sldId id="281" r:id="rId30"/>
-    <p:sldId id="288" r:id="rId31"/>
-    <p:sldId id="282" r:id="rId32"/>
-    <p:sldId id="283" r:id="rId33"/>
-    <p:sldId id="291" r:id="rId34"/>
-    <p:sldId id="289" r:id="rId35"/>
-    <p:sldId id="290" r:id="rId36"/>
-    <p:sldId id="260" r:id="rId37"/>
+    <p:sldId id="293" r:id="rId27"/>
+    <p:sldId id="286" r:id="rId28"/>
+    <p:sldId id="280" r:id="rId29"/>
+    <p:sldId id="287" r:id="rId30"/>
+    <p:sldId id="281" r:id="rId31"/>
+    <p:sldId id="288" r:id="rId32"/>
+    <p:sldId id="282" r:id="rId33"/>
+    <p:sldId id="283" r:id="rId34"/>
+    <p:sldId id="291" r:id="rId35"/>
+    <p:sldId id="294" r:id="rId36"/>
+    <p:sldId id="292" r:id="rId37"/>
+    <p:sldId id="295" r:id="rId38"/>
+    <p:sldId id="297" r:id="rId39"/>
+    <p:sldId id="296" r:id="rId40"/>
+    <p:sldId id="289" r:id="rId41"/>
+    <p:sldId id="290" r:id="rId42"/>
+    <p:sldId id="260" r:id="rId43"/>
   </p:sldIdLst>
   <p:sldSz cx="12192000" cy="6858000"/>
   <p:notesSz cx="6858000" cy="9144000"/>
@@ -249,7 +255,7 @@
             <a:pPr rtl="0"/>
             <a:fld id="{C62B80FE-187A-4085-BD71-F0873FF7BD68}" type="datetime1">
               <a:rPr lang="es-ES" smtClean="0"/>
-              <a:t>13/06/2023</a:t>
+              <a:t>14/06/2023</a:t>
             </a:fld>
             <a:endParaRPr lang="es-ES"/>
           </a:p>
@@ -431,7 +437,7 @@
             <a:pPr rtl="0"/>
             <a:fld id="{6D59A2BD-4571-4110-BB3E-5D004DE434FA}" type="datetime1">
               <a:rPr lang="es-ES" noProof="0" smtClean="0"/>
-              <a:t>13/06/2023</a:t>
+              <a:t>14/06/2023</a:t>
             </a:fld>
             <a:endParaRPr lang="es-ES" noProof="0"/>
           </a:p>
@@ -855,7 +861,7 @@
             <a:pPr rtl="0"/>
             <a:fld id="{C6B3AB32-59DF-41F1-9618-EDFBF5049629}" type="slidenum">
               <a:rPr lang="es-ES" smtClean="0"/>
-              <a:t>33</a:t>
+              <a:t>39</a:t>
             </a:fld>
             <a:endParaRPr lang="es-ES"/>
           </a:p>
@@ -1120,7 +1126,7 @@
             <a:pPr rtl="0"/>
             <a:fld id="{F409C0D2-15DE-4FAC-845B-C48979FFAEB9}" type="datetime1">
               <a:rPr lang="es-ES" noProof="0" smtClean="0"/>
-              <a:t>13/06/2023</a:t>
+              <a:t>14/06/2023</a:t>
             </a:fld>
             <a:endParaRPr lang="es-ES" noProof="0"/>
           </a:p>
@@ -1385,7 +1391,7 @@
             <a:pPr rtl="0"/>
             <a:fld id="{8CF9F163-DD03-4353-882E-CE0F9A80F1C3}" type="datetime1">
               <a:rPr lang="es-ES" noProof="0" smtClean="0"/>
-              <a:t>13/06/2023</a:t>
+              <a:t>14/06/2023</a:t>
             </a:fld>
             <a:endParaRPr lang="es-ES" noProof="0"/>
           </a:p>
@@ -1623,7 +1629,7 @@
             <a:pPr rtl="0"/>
             <a:fld id="{8D2FF54C-EA2F-453C-857C-5C9ADB86CB43}" type="datetime1">
               <a:rPr lang="es-ES" noProof="0" smtClean="0"/>
-              <a:t>13/06/2023</a:t>
+              <a:t>14/06/2023</a:t>
             </a:fld>
             <a:endParaRPr lang="es-ES" noProof="0"/>
           </a:p>
@@ -1866,7 +1872,7 @@
             <a:pPr rtl="0"/>
             <a:fld id="{57670FF6-52DC-429F-9C56-6A1BF295232E}" type="datetime1">
               <a:rPr lang="es-ES" noProof="0" smtClean="0"/>
-              <a:t>13/06/2023</a:t>
+              <a:t>14/06/2023</a:t>
             </a:fld>
             <a:endParaRPr lang="es-ES" noProof="0"/>
           </a:p>
@@ -2177,7 +2183,7 @@
             <a:pPr rtl="0"/>
             <a:fld id="{85E27922-51B6-4B96-9C28-2CD2060AE75A}" type="datetime1">
               <a:rPr lang="es-ES" noProof="0" smtClean="0"/>
-              <a:t>13/06/2023</a:t>
+              <a:t>14/06/2023</a:t>
             </a:fld>
             <a:endParaRPr lang="es-ES" noProof="0"/>
           </a:p>
@@ -2481,7 +2487,7 @@
             <a:pPr rtl="0"/>
             <a:fld id="{F3ECF5D1-1C98-40FD-9D65-EED7644802B9}" type="datetime1">
               <a:rPr lang="es-ES" noProof="0" smtClean="0"/>
-              <a:t>13/06/2023</a:t>
+              <a:t>14/06/2023</a:t>
             </a:fld>
             <a:endParaRPr lang="es-ES" noProof="0"/>
           </a:p>
@@ -2905,7 +2911,7 @@
             <a:pPr rtl="0"/>
             <a:fld id="{8556C746-EB55-4634-AD93-A9FF2473885C}" type="datetime1">
               <a:rPr lang="es-ES" noProof="0" smtClean="0"/>
-              <a:t>13/06/2023</a:t>
+              <a:t>14/06/2023</a:t>
             </a:fld>
             <a:endParaRPr lang="es-ES" noProof="0"/>
           </a:p>
@@ -3004,7 +3010,7 @@
             <a:pPr rtl="0"/>
             <a:fld id="{C9051F13-F75A-440F-BED7-E2004746A95F}" type="datetime1">
               <a:rPr lang="es-ES" noProof="0" smtClean="0"/>
-              <a:t>13/06/2023</a:t>
+              <a:t>14/06/2023</a:t>
             </a:fld>
             <a:endParaRPr lang="es-ES" noProof="0"/>
           </a:p>
@@ -3170,7 +3176,7 @@
             <a:pPr rtl="0"/>
             <a:fld id="{3D7A2E7D-666A-420B-9042-959E1D47E21D}" type="datetime1">
               <a:rPr lang="es-ES" noProof="0" smtClean="0"/>
-              <a:t>13/06/2023</a:t>
+              <a:t>14/06/2023</a:t>
             </a:fld>
             <a:endParaRPr lang="es-ES" noProof="0"/>
           </a:p>
@@ -3551,7 +3557,7 @@
             <a:pPr rtl="0"/>
             <a:fld id="{0403F12F-0E67-4CAB-8DFD-26DCD4A99D59}" type="datetime1">
               <a:rPr lang="es-ES" noProof="0" smtClean="0"/>
-              <a:t>13/06/2023</a:t>
+              <a:t>14/06/2023</a:t>
             </a:fld>
             <a:endParaRPr lang="es-ES" noProof="0"/>
           </a:p>
@@ -3844,7 +3850,7 @@
             <a:pPr rtl="0"/>
             <a:fld id="{9709DA8C-1A59-4B91-B9EA-509377CD0E23}" type="datetime1">
               <a:rPr lang="es-ES" noProof="0" smtClean="0"/>
-              <a:t>13/06/2023</a:t>
+              <a:t>14/06/2023</a:t>
             </a:fld>
             <a:endParaRPr lang="es-ES" noProof="0"/>
           </a:p>
@@ -4058,7 +4064,7 @@
             <a:pPr rtl="0"/>
             <a:fld id="{A3DF7BF2-42BB-439B-88AA-F60334FF1291}" type="datetime1">
               <a:rPr lang="es-ES" noProof="0" smtClean="0"/>
-              <a:t>13/06/2023</a:t>
+              <a:t>14/06/2023</a:t>
             </a:fld>
             <a:endParaRPr lang="es-ES" noProof="0"/>
           </a:p>
@@ -6618,19 +6624,19 @@
           <a:p>
             <a:r>
               <a:rPr lang="es-ES" dirty="0"/>
-              <a:t>Introducen los datos</a:t>
+              <a:t>Introduce los datos</a:t>
             </a:r>
           </a:p>
           <a:p>
             <a:r>
               <a:rPr lang="es-ES" dirty="0"/>
-              <a:t>Validar y enviar correo</a:t>
+              <a:t>Se validan y se envía el correo</a:t>
             </a:r>
           </a:p>
           <a:p>
             <a:r>
               <a:rPr lang="es-ES" dirty="0"/>
-              <a:t>Usuario verifica</a:t>
+              <a:t>Usuario verifica su cuenta</a:t>
             </a:r>
           </a:p>
         </p:txBody>
@@ -6670,7 +6676,7 @@
           <p:cNvPr id="2" name="Título 1">
             <a:extLst>
               <a:ext uri="{FF2B5EF4-FFF2-40B4-BE49-F238E27FC236}">
-                <a16:creationId xmlns:a16="http://schemas.microsoft.com/office/drawing/2014/main" id="{A47CE8C5-9405-17F1-0F92-5241A3C9301E}"/>
+                <a16:creationId xmlns:a16="http://schemas.microsoft.com/office/drawing/2014/main" id="{FB89BBC1-147A-255F-ED71-29075D1DC8EE}"/>
               </a:ext>
             </a:extLst>
           </p:cNvPr>
@@ -6688,7 +6694,7 @@
           <a:p>
             <a:r>
               <a:rPr lang="es-ES" dirty="0"/>
-              <a:t>Front</a:t>
+              <a:t>Registro</a:t>
             </a:r>
           </a:p>
         </p:txBody>
@@ -6698,7 +6704,7 @@
           <p:cNvPr id="5" name="Marcador de contenido 4">
             <a:extLst>
               <a:ext uri="{FF2B5EF4-FFF2-40B4-BE49-F238E27FC236}">
-                <a16:creationId xmlns:a16="http://schemas.microsoft.com/office/drawing/2014/main" id="{6F9AFF94-C1B4-6EDF-9176-2CEF17719D87}"/>
+                <a16:creationId xmlns:a16="http://schemas.microsoft.com/office/drawing/2014/main" id="{9DDB6006-5730-231D-3EE9-2ACEF9D26744}"/>
               </a:ext>
             </a:extLst>
           </p:cNvPr>
@@ -6717,75 +6723,71 @@
         </p:blipFill>
         <p:spPr>
           <a:xfrm>
-            <a:off x="1699206" y="1896553"/>
-            <a:ext cx="2392503" cy="2660930"/>
+            <a:off x="4725433" y="2361691"/>
+            <a:ext cx="6415989" cy="3678238"/>
           </a:xfrm>
         </p:spPr>
       </p:pic>
-      <p:pic>
-        <p:nvPicPr>
-          <p:cNvPr id="7" name="Imagen 6">
-            <a:extLst>
-              <a:ext uri="{FF2B5EF4-FFF2-40B4-BE49-F238E27FC236}">
-                <a16:creationId xmlns:a16="http://schemas.microsoft.com/office/drawing/2014/main" id="{1D751904-AF04-20E2-3164-EFBC58EB6F72}"/>
-              </a:ext>
-            </a:extLst>
-          </p:cNvPr>
-          <p:cNvPicPr>
-            <a:picLocks noChangeAspect="1"/>
-          </p:cNvPicPr>
+      <p:sp>
+        <p:nvSpPr>
+          <p:cNvPr id="6" name="CuadroTexto 5">
+            <a:extLst>
+              <a:ext uri="{FF2B5EF4-FFF2-40B4-BE49-F238E27FC236}">
+                <a16:creationId xmlns:a16="http://schemas.microsoft.com/office/drawing/2014/main" id="{13E1817B-CEA6-35FB-86DB-575F8A003570}"/>
+              </a:ext>
+            </a:extLst>
+          </p:cNvPr>
+          <p:cNvSpPr txBox="1"/>
           <p:nvPr/>
-        </p:nvPicPr>
-        <p:blipFill>
-          <a:blip r:embed="rId3"/>
-          <a:stretch>
-            <a:fillRect/>
-          </a:stretch>
-        </p:blipFill>
-        <p:spPr>
-          <a:xfrm>
-            <a:off x="4949448" y="1896553"/>
-            <a:ext cx="2184597" cy="2661814"/>
+        </p:nvSpPr>
+        <p:spPr>
+          <a:xfrm>
+            <a:off x="581192" y="2104845"/>
+            <a:ext cx="4534272" cy="923330"/>
           </a:xfrm>
           <a:prstGeom prst="rect">
             <a:avLst/>
           </a:prstGeom>
-        </p:spPr>
-      </p:pic>
-      <p:pic>
-        <p:nvPicPr>
-          <p:cNvPr id="9" name="Imagen 8">
-            <a:extLst>
-              <a:ext uri="{FF2B5EF4-FFF2-40B4-BE49-F238E27FC236}">
-                <a16:creationId xmlns:a16="http://schemas.microsoft.com/office/drawing/2014/main" id="{656D4102-C218-030C-481A-68F28B3FC87D}"/>
-              </a:ext>
-            </a:extLst>
-          </p:cNvPr>
-          <p:cNvPicPr>
-            <a:picLocks noChangeAspect="1"/>
-          </p:cNvPicPr>
-          <p:nvPr/>
-        </p:nvPicPr>
-        <p:blipFill>
-          <a:blip r:embed="rId4"/>
-          <a:stretch>
-            <a:fillRect/>
-          </a:stretch>
-        </p:blipFill>
-        <p:spPr>
-          <a:xfrm>
-            <a:off x="2201649" y="4952264"/>
-            <a:ext cx="6877780" cy="1103480"/>
-          </a:xfrm>
-          <a:prstGeom prst="rect">
-            <a:avLst/>
-          </a:prstGeom>
-        </p:spPr>
-      </p:pic>
+          <a:noFill/>
+        </p:spPr>
+        <p:txBody>
+          <a:bodyPr wrap="square" rtlCol="0">
+            <a:spAutoFit/>
+          </a:bodyPr>
+          <a:lstStyle/>
+          <a:p>
+            <a:pPr marL="285750" indent="-285750">
+              <a:buFont typeface="Arial" panose="020B0604020202020204" pitchFamily="34" charset="0"/>
+              <a:buChar char="•"/>
+            </a:pPr>
+            <a:r>
+              <a:rPr lang="es-ES" dirty="0" err="1"/>
+              <a:t>Bcrypt</a:t>
+            </a:r>
+            <a:r>
+              <a:rPr lang="es-ES" dirty="0"/>
+              <a:t> para la contraseña</a:t>
+            </a:r>
+          </a:p>
+          <a:p>
+            <a:pPr marL="285750" indent="-285750">
+              <a:buFont typeface="Arial" panose="020B0604020202020204" pitchFamily="34" charset="0"/>
+              <a:buChar char="•"/>
+            </a:pPr>
+            <a:r>
+              <a:rPr lang="es-ES" dirty="0"/>
+              <a:t>Enviar correo</a:t>
+            </a:r>
+          </a:p>
+          <a:p>
+            <a:endParaRPr lang="es-ES" dirty="0"/>
+          </a:p>
+        </p:txBody>
+      </p:sp>
     </p:spTree>
     <p:extLst>
       <p:ext uri="{BB962C8B-B14F-4D97-AF65-F5344CB8AC3E}">
-        <p14:creationId xmlns:p14="http://schemas.microsoft.com/office/powerpoint/2010/main" val="146023453"/>
+        <p14:creationId xmlns:p14="http://schemas.microsoft.com/office/powerpoint/2010/main" val="2547892094"/>
       </p:ext>
     </p:extLst>
   </p:cSld>
@@ -6817,7 +6819,7 @@
           <p:cNvPr id="2" name="Título 1">
             <a:extLst>
               <a:ext uri="{FF2B5EF4-FFF2-40B4-BE49-F238E27FC236}">
-                <a16:creationId xmlns:a16="http://schemas.microsoft.com/office/drawing/2014/main" id="{EB1B60D7-CCAF-93E8-987A-C27A57A9FFC4}"/>
+                <a16:creationId xmlns:a16="http://schemas.microsoft.com/office/drawing/2014/main" id="{A47CE8C5-9405-17F1-0F92-5241A3C9301E}"/>
               </a:ext>
             </a:extLst>
           </p:cNvPr>
@@ -6834,59 +6836,105 @@
           <a:lstStyle/>
           <a:p>
             <a:r>
-              <a:rPr lang="es-ES" dirty="0" err="1"/>
-              <a:t>Login</a:t>
-            </a:r>
-            <a:endParaRPr lang="es-ES" dirty="0"/>
-          </a:p>
-        </p:txBody>
-      </p:sp>
-      <p:sp>
-        <p:nvSpPr>
-          <p:cNvPr id="3" name="Marcador de contenido 2">
-            <a:extLst>
-              <a:ext uri="{FF2B5EF4-FFF2-40B4-BE49-F238E27FC236}">
-                <a16:creationId xmlns:a16="http://schemas.microsoft.com/office/drawing/2014/main" id="{C7FD14AD-CB72-71D8-1D2C-4460462069D6}"/>
-              </a:ext>
-            </a:extLst>
-          </p:cNvPr>
-          <p:cNvSpPr>
-            <a:spLocks noGrp="1"/>
-          </p:cNvSpPr>
+              <a:rPr lang="es-ES" dirty="0"/>
+              <a:t>Front</a:t>
+            </a:r>
+          </a:p>
+        </p:txBody>
+      </p:sp>
+      <p:pic>
+        <p:nvPicPr>
+          <p:cNvPr id="5" name="Marcador de contenido 4">
+            <a:extLst>
+              <a:ext uri="{FF2B5EF4-FFF2-40B4-BE49-F238E27FC236}">
+                <a16:creationId xmlns:a16="http://schemas.microsoft.com/office/drawing/2014/main" id="{6F9AFF94-C1B4-6EDF-9176-2CEF17719D87}"/>
+              </a:ext>
+            </a:extLst>
+          </p:cNvPr>
+          <p:cNvPicPr>
+            <a:picLocks noGrp="1" noChangeAspect="1"/>
+          </p:cNvPicPr>
           <p:nvPr>
             <p:ph idx="1"/>
           </p:nvPr>
-        </p:nvSpPr>
-        <p:spPr/>
-        <p:txBody>
-          <a:bodyPr/>
-          <a:lstStyle/>
-          <a:p>
-            <a:r>
-              <a:rPr lang="es-ES" dirty="0"/>
-              <a:t>Introducen los datos</a:t>
-            </a:r>
-          </a:p>
-          <a:p>
-            <a:r>
-              <a:rPr lang="es-ES" dirty="0"/>
-              <a:t>Devuelve </a:t>
-            </a:r>
-            <a:r>
-              <a:rPr lang="es-ES" dirty="0" err="1"/>
-              <a:t>jwt</a:t>
-            </a:r>
-            <a:r>
-              <a:rPr lang="es-ES" dirty="0"/>
-              <a:t> con la información del usuario</a:t>
-            </a:r>
-          </a:p>
-        </p:txBody>
-      </p:sp>
+        </p:nvPicPr>
+        <p:blipFill>
+          <a:blip r:embed="rId2"/>
+          <a:stretch>
+            <a:fillRect/>
+          </a:stretch>
+        </p:blipFill>
+        <p:spPr>
+          <a:xfrm>
+            <a:off x="1699206" y="1896553"/>
+            <a:ext cx="2392503" cy="2660930"/>
+          </a:xfrm>
+        </p:spPr>
+      </p:pic>
+      <p:pic>
+        <p:nvPicPr>
+          <p:cNvPr id="7" name="Imagen 6">
+            <a:extLst>
+              <a:ext uri="{FF2B5EF4-FFF2-40B4-BE49-F238E27FC236}">
+                <a16:creationId xmlns:a16="http://schemas.microsoft.com/office/drawing/2014/main" id="{1D751904-AF04-20E2-3164-EFBC58EB6F72}"/>
+              </a:ext>
+            </a:extLst>
+          </p:cNvPr>
+          <p:cNvPicPr>
+            <a:picLocks noChangeAspect="1"/>
+          </p:cNvPicPr>
+          <p:nvPr/>
+        </p:nvPicPr>
+        <p:blipFill>
+          <a:blip r:embed="rId3"/>
+          <a:stretch>
+            <a:fillRect/>
+          </a:stretch>
+        </p:blipFill>
+        <p:spPr>
+          <a:xfrm>
+            <a:off x="4949448" y="1896553"/>
+            <a:ext cx="2184597" cy="2661814"/>
+          </a:xfrm>
+          <a:prstGeom prst="rect">
+            <a:avLst/>
+          </a:prstGeom>
+        </p:spPr>
+      </p:pic>
+      <p:pic>
+        <p:nvPicPr>
+          <p:cNvPr id="9" name="Imagen 8">
+            <a:extLst>
+              <a:ext uri="{FF2B5EF4-FFF2-40B4-BE49-F238E27FC236}">
+                <a16:creationId xmlns:a16="http://schemas.microsoft.com/office/drawing/2014/main" id="{656D4102-C218-030C-481A-68F28B3FC87D}"/>
+              </a:ext>
+            </a:extLst>
+          </p:cNvPr>
+          <p:cNvPicPr>
+            <a:picLocks noChangeAspect="1"/>
+          </p:cNvPicPr>
+          <p:nvPr/>
+        </p:nvPicPr>
+        <p:blipFill>
+          <a:blip r:embed="rId4"/>
+          <a:stretch>
+            <a:fillRect/>
+          </a:stretch>
+        </p:blipFill>
+        <p:spPr>
+          <a:xfrm>
+            <a:off x="2201649" y="4952264"/>
+            <a:ext cx="6877780" cy="1103480"/>
+          </a:xfrm>
+          <a:prstGeom prst="rect">
+            <a:avLst/>
+          </a:prstGeom>
+        </p:spPr>
+      </p:pic>
     </p:spTree>
     <p:extLst>
       <p:ext uri="{BB962C8B-B14F-4D97-AF65-F5344CB8AC3E}">
-        <p14:creationId xmlns:p14="http://schemas.microsoft.com/office/powerpoint/2010/main" val="698029695"/>
+        <p14:creationId xmlns:p14="http://schemas.microsoft.com/office/powerpoint/2010/main" val="146023453"/>
       </p:ext>
     </p:extLst>
   </p:cSld>
@@ -6918,7 +6966,7 @@
           <p:cNvPr id="2" name="Título 1">
             <a:extLst>
               <a:ext uri="{FF2B5EF4-FFF2-40B4-BE49-F238E27FC236}">
-                <a16:creationId xmlns:a16="http://schemas.microsoft.com/office/drawing/2014/main" id="{77D09546-7C82-9EF3-84F7-35236CD05B4F}"/>
+                <a16:creationId xmlns:a16="http://schemas.microsoft.com/office/drawing/2014/main" id="{EB1B60D7-CCAF-93E8-987A-C27A57A9FFC4}"/>
               </a:ext>
             </a:extLst>
           </p:cNvPr>
@@ -6935,45 +6983,59 @@
           <a:lstStyle/>
           <a:p>
             <a:r>
+              <a:rPr lang="es-ES" dirty="0" err="1"/>
+              <a:t>Login</a:t>
+            </a:r>
+            <a:endParaRPr lang="es-ES" dirty="0"/>
+          </a:p>
+        </p:txBody>
+      </p:sp>
+      <p:sp>
+        <p:nvSpPr>
+          <p:cNvPr id="3" name="Marcador de contenido 2">
+            <a:extLst>
+              <a:ext uri="{FF2B5EF4-FFF2-40B4-BE49-F238E27FC236}">
+                <a16:creationId xmlns:a16="http://schemas.microsoft.com/office/drawing/2014/main" id="{C7FD14AD-CB72-71D8-1D2C-4460462069D6}"/>
+              </a:ext>
+            </a:extLst>
+          </p:cNvPr>
+          <p:cNvSpPr>
+            <a:spLocks noGrp="1"/>
+          </p:cNvSpPr>
+          <p:nvPr>
+            <p:ph idx="1"/>
+          </p:nvPr>
+        </p:nvSpPr>
+        <p:spPr/>
+        <p:txBody>
+          <a:bodyPr/>
+          <a:lstStyle/>
+          <a:p>
+            <a:r>
               <a:rPr lang="es-ES" dirty="0"/>
-              <a:t>Front</a:t>
-            </a:r>
-          </a:p>
-        </p:txBody>
-      </p:sp>
-      <p:pic>
-        <p:nvPicPr>
-          <p:cNvPr id="5" name="Marcador de contenido 4">
-            <a:extLst>
-              <a:ext uri="{FF2B5EF4-FFF2-40B4-BE49-F238E27FC236}">
-                <a16:creationId xmlns:a16="http://schemas.microsoft.com/office/drawing/2014/main" id="{C5E9273F-35D5-65CF-1FBE-22579FE46257}"/>
-              </a:ext>
-            </a:extLst>
-          </p:cNvPr>
-          <p:cNvPicPr>
-            <a:picLocks noGrp="1" noChangeAspect="1"/>
-          </p:cNvPicPr>
-          <p:nvPr>
-            <p:ph idx="1"/>
-          </p:nvPr>
-        </p:nvPicPr>
-        <p:blipFill>
-          <a:blip r:embed="rId2"/>
-          <a:stretch>
-            <a:fillRect/>
-          </a:stretch>
-        </p:blipFill>
-        <p:spPr>
-          <a:xfrm>
-            <a:off x="3808149" y="2198478"/>
-            <a:ext cx="3885590" cy="3678238"/>
-          </a:xfrm>
-        </p:spPr>
-      </p:pic>
+              <a:t>Introducen los datos</a:t>
+            </a:r>
+          </a:p>
+          <a:p>
+            <a:r>
+              <a:rPr lang="es-ES" dirty="0"/>
+              <a:t>Devuelve </a:t>
+            </a:r>
+            <a:r>
+              <a:rPr lang="es-ES" dirty="0" err="1"/>
+              <a:t>jwt</a:t>
+            </a:r>
+            <a:r>
+              <a:rPr lang="es-ES" dirty="0"/>
+              <a:t> con la información del usuario</a:t>
+            </a:r>
+          </a:p>
+        </p:txBody>
+      </p:sp>
     </p:spTree>
     <p:extLst>
       <p:ext uri="{BB962C8B-B14F-4D97-AF65-F5344CB8AC3E}">
-        <p14:creationId xmlns:p14="http://schemas.microsoft.com/office/powerpoint/2010/main" val="4030660633"/>
+        <p14:creationId xmlns:p14="http://schemas.microsoft.com/office/powerpoint/2010/main" val="698029695"/>
       </p:ext>
     </p:extLst>
   </p:cSld>
@@ -7005,7 +7067,7 @@
           <p:cNvPr id="2" name="Título 1">
             <a:extLst>
               <a:ext uri="{FF2B5EF4-FFF2-40B4-BE49-F238E27FC236}">
-                <a16:creationId xmlns:a16="http://schemas.microsoft.com/office/drawing/2014/main" id="{83B66DEF-D623-A4A8-5CA4-BDD11D3E227A}"/>
+                <a16:creationId xmlns:a16="http://schemas.microsoft.com/office/drawing/2014/main" id="{77D09546-7C82-9EF3-84F7-35236CD05B4F}"/>
               </a:ext>
             </a:extLst>
           </p:cNvPr>
@@ -7023,55 +7085,44 @@
           <a:p>
             <a:r>
               <a:rPr lang="es-ES" dirty="0"/>
-              <a:t>Resetear contraseña</a:t>
-            </a:r>
-          </a:p>
-        </p:txBody>
-      </p:sp>
-      <p:sp>
-        <p:nvSpPr>
-          <p:cNvPr id="3" name="Marcador de contenido 2">
-            <a:extLst>
-              <a:ext uri="{FF2B5EF4-FFF2-40B4-BE49-F238E27FC236}">
-                <a16:creationId xmlns:a16="http://schemas.microsoft.com/office/drawing/2014/main" id="{FB9A87CE-08AB-4E26-7C8D-5781A6D734CD}"/>
-              </a:ext>
-            </a:extLst>
-          </p:cNvPr>
-          <p:cNvSpPr>
-            <a:spLocks noGrp="1"/>
-          </p:cNvSpPr>
+              <a:t>Front</a:t>
+            </a:r>
+          </a:p>
+        </p:txBody>
+      </p:sp>
+      <p:pic>
+        <p:nvPicPr>
+          <p:cNvPr id="5" name="Marcador de contenido 4">
+            <a:extLst>
+              <a:ext uri="{FF2B5EF4-FFF2-40B4-BE49-F238E27FC236}">
+                <a16:creationId xmlns:a16="http://schemas.microsoft.com/office/drawing/2014/main" id="{C5E9273F-35D5-65CF-1FBE-22579FE46257}"/>
+              </a:ext>
+            </a:extLst>
+          </p:cNvPr>
+          <p:cNvPicPr>
+            <a:picLocks noGrp="1" noChangeAspect="1"/>
+          </p:cNvPicPr>
           <p:nvPr>
             <p:ph idx="1"/>
           </p:nvPr>
-        </p:nvSpPr>
-        <p:spPr/>
-        <p:txBody>
-          <a:bodyPr/>
-          <a:lstStyle/>
-          <a:p>
-            <a:r>
-              <a:rPr lang="es-ES" dirty="0"/>
-              <a:t>Introducen los datos</a:t>
-            </a:r>
-          </a:p>
-          <a:p>
-            <a:r>
-              <a:rPr lang="es-ES" dirty="0"/>
-              <a:t>Se envía un correo con el link para resetear la contraseña</a:t>
-            </a:r>
-          </a:p>
-          <a:p>
-            <a:r>
-              <a:rPr lang="es-ES" dirty="0"/>
-              <a:t>Se resetea la contraseña</a:t>
-            </a:r>
-          </a:p>
-        </p:txBody>
-      </p:sp>
+        </p:nvPicPr>
+        <p:blipFill>
+          <a:blip r:embed="rId2"/>
+          <a:stretch>
+            <a:fillRect/>
+          </a:stretch>
+        </p:blipFill>
+        <p:spPr>
+          <a:xfrm>
+            <a:off x="3808149" y="2198478"/>
+            <a:ext cx="3885590" cy="3678238"/>
+          </a:xfrm>
+        </p:spPr>
+      </p:pic>
     </p:spTree>
     <p:extLst>
       <p:ext uri="{BB962C8B-B14F-4D97-AF65-F5344CB8AC3E}">
-        <p14:creationId xmlns:p14="http://schemas.microsoft.com/office/powerpoint/2010/main" val="3398961286"/>
+        <p14:creationId xmlns:p14="http://schemas.microsoft.com/office/powerpoint/2010/main" val="4030660633"/>
       </p:ext>
     </p:extLst>
   </p:cSld>
@@ -7103,7 +7154,7 @@
           <p:cNvPr id="2" name="Título 1">
             <a:extLst>
               <a:ext uri="{FF2B5EF4-FFF2-40B4-BE49-F238E27FC236}">
-                <a16:creationId xmlns:a16="http://schemas.microsoft.com/office/drawing/2014/main" id="{0E58418D-6403-8FA5-C5C2-50D9C52DFCB9}"/>
+                <a16:creationId xmlns:a16="http://schemas.microsoft.com/office/drawing/2014/main" id="{83B66DEF-D623-A4A8-5CA4-BDD11D3E227A}"/>
               </a:ext>
             </a:extLst>
           </p:cNvPr>
@@ -7121,104 +7172,55 @@
           <a:p>
             <a:r>
               <a:rPr lang="es-ES" dirty="0"/>
-              <a:t>Front</a:t>
-            </a:r>
-          </a:p>
-        </p:txBody>
-      </p:sp>
-      <p:pic>
-        <p:nvPicPr>
-          <p:cNvPr id="5" name="Marcador de contenido 4">
-            <a:extLst>
-              <a:ext uri="{FF2B5EF4-FFF2-40B4-BE49-F238E27FC236}">
-                <a16:creationId xmlns:a16="http://schemas.microsoft.com/office/drawing/2014/main" id="{3BD28484-3BA2-05E3-5356-9E50A9CD3928}"/>
-              </a:ext>
-            </a:extLst>
-          </p:cNvPr>
-          <p:cNvPicPr>
-            <a:picLocks noGrp="1" noChangeAspect="1"/>
-          </p:cNvPicPr>
+              <a:t>Resetear contraseña</a:t>
+            </a:r>
+          </a:p>
+        </p:txBody>
+      </p:sp>
+      <p:sp>
+        <p:nvSpPr>
+          <p:cNvPr id="3" name="Marcador de contenido 2">
+            <a:extLst>
+              <a:ext uri="{FF2B5EF4-FFF2-40B4-BE49-F238E27FC236}">
+                <a16:creationId xmlns:a16="http://schemas.microsoft.com/office/drawing/2014/main" id="{FB9A87CE-08AB-4E26-7C8D-5781A6D734CD}"/>
+              </a:ext>
+            </a:extLst>
+          </p:cNvPr>
+          <p:cNvSpPr>
+            <a:spLocks noGrp="1"/>
+          </p:cNvSpPr>
           <p:nvPr>
             <p:ph idx="1"/>
           </p:nvPr>
-        </p:nvPicPr>
-        <p:blipFill>
-          <a:blip r:embed="rId2"/>
-          <a:stretch>
-            <a:fillRect/>
-          </a:stretch>
-        </p:blipFill>
-        <p:spPr>
-          <a:xfrm>
-            <a:off x="1550558" y="1893456"/>
-            <a:ext cx="2609971" cy="2654315"/>
-          </a:xfrm>
-        </p:spPr>
-      </p:pic>
-      <p:pic>
-        <p:nvPicPr>
-          <p:cNvPr id="7" name="Imagen 6">
-            <a:extLst>
-              <a:ext uri="{FF2B5EF4-FFF2-40B4-BE49-F238E27FC236}">
-                <a16:creationId xmlns:a16="http://schemas.microsoft.com/office/drawing/2014/main" id="{928AA6FA-D68B-73A6-BE2D-70E9E98A272C}"/>
-              </a:ext>
-            </a:extLst>
-          </p:cNvPr>
-          <p:cNvPicPr>
-            <a:picLocks noChangeAspect="1"/>
-          </p:cNvPicPr>
-          <p:nvPr/>
-        </p:nvPicPr>
-        <p:blipFill>
-          <a:blip r:embed="rId3"/>
-          <a:stretch>
-            <a:fillRect/>
-          </a:stretch>
-        </p:blipFill>
-        <p:spPr>
-          <a:xfrm>
-            <a:off x="388792" y="4547771"/>
-            <a:ext cx="11222016" cy="1686160"/>
-          </a:xfrm>
-          <a:prstGeom prst="rect">
-            <a:avLst/>
-          </a:prstGeom>
-        </p:spPr>
-      </p:pic>
-      <p:pic>
-        <p:nvPicPr>
-          <p:cNvPr id="11" name="Imagen 10">
-            <a:extLst>
-              <a:ext uri="{FF2B5EF4-FFF2-40B4-BE49-F238E27FC236}">
-                <a16:creationId xmlns:a16="http://schemas.microsoft.com/office/drawing/2014/main" id="{3D7917F5-5C16-DA0A-2ACA-8C242532724F}"/>
-              </a:ext>
-            </a:extLst>
-          </p:cNvPr>
-          <p:cNvPicPr>
-            <a:picLocks noChangeAspect="1"/>
-          </p:cNvPicPr>
-          <p:nvPr/>
-        </p:nvPicPr>
-        <p:blipFill>
-          <a:blip r:embed="rId4"/>
-          <a:stretch>
-            <a:fillRect/>
-          </a:stretch>
-        </p:blipFill>
-        <p:spPr>
-          <a:xfrm>
-            <a:off x="6096000" y="1893456"/>
-            <a:ext cx="2504536" cy="2164113"/>
-          </a:xfrm>
-          <a:prstGeom prst="rect">
-            <a:avLst/>
-          </a:prstGeom>
-        </p:spPr>
-      </p:pic>
+        </p:nvSpPr>
+        <p:spPr/>
+        <p:txBody>
+          <a:bodyPr/>
+          <a:lstStyle/>
+          <a:p>
+            <a:r>
+              <a:rPr lang="es-ES" dirty="0"/>
+              <a:t>Introducen los datos</a:t>
+            </a:r>
+          </a:p>
+          <a:p>
+            <a:r>
+              <a:rPr lang="es-ES" dirty="0"/>
+              <a:t>Se envía un correo con el link para resetear la contraseña</a:t>
+            </a:r>
+          </a:p>
+          <a:p>
+            <a:r>
+              <a:rPr lang="es-ES" dirty="0"/>
+              <a:t>Se resetea la contraseña</a:t>
+            </a:r>
+          </a:p>
+        </p:txBody>
+      </p:sp>
     </p:spTree>
     <p:extLst>
       <p:ext uri="{BB962C8B-B14F-4D97-AF65-F5344CB8AC3E}">
-        <p14:creationId xmlns:p14="http://schemas.microsoft.com/office/powerpoint/2010/main" val="1610030668"/>
+        <p14:creationId xmlns:p14="http://schemas.microsoft.com/office/powerpoint/2010/main" val="3398961286"/>
       </p:ext>
     </p:extLst>
   </p:cSld>
@@ -7250,7 +7252,7 @@
           <p:cNvPr id="2" name="Título 1">
             <a:extLst>
               <a:ext uri="{FF2B5EF4-FFF2-40B4-BE49-F238E27FC236}">
-                <a16:creationId xmlns:a16="http://schemas.microsoft.com/office/drawing/2014/main" id="{5A040E7D-FA0B-B0FE-1E88-39D49ADAA22F}"/>
+                <a16:creationId xmlns:a16="http://schemas.microsoft.com/office/drawing/2014/main" id="{0E58418D-6403-8FA5-C5C2-50D9C52DFCB9}"/>
               </a:ext>
             </a:extLst>
           </p:cNvPr>
@@ -7268,55 +7270,104 @@
           <a:p>
             <a:r>
               <a:rPr lang="es-ES" dirty="0"/>
-              <a:t>Favoritos</a:t>
-            </a:r>
-          </a:p>
-        </p:txBody>
-      </p:sp>
-      <p:sp>
-        <p:nvSpPr>
-          <p:cNvPr id="3" name="Marcador de contenido 2">
-            <a:extLst>
-              <a:ext uri="{FF2B5EF4-FFF2-40B4-BE49-F238E27FC236}">
-                <a16:creationId xmlns:a16="http://schemas.microsoft.com/office/drawing/2014/main" id="{49D9DEDC-3BD7-595F-48B7-029674C2122B}"/>
-              </a:ext>
-            </a:extLst>
-          </p:cNvPr>
-          <p:cNvSpPr>
-            <a:spLocks noGrp="1"/>
-          </p:cNvSpPr>
+              <a:t>Front</a:t>
+            </a:r>
+          </a:p>
+        </p:txBody>
+      </p:sp>
+      <p:pic>
+        <p:nvPicPr>
+          <p:cNvPr id="5" name="Marcador de contenido 4">
+            <a:extLst>
+              <a:ext uri="{FF2B5EF4-FFF2-40B4-BE49-F238E27FC236}">
+                <a16:creationId xmlns:a16="http://schemas.microsoft.com/office/drawing/2014/main" id="{3BD28484-3BA2-05E3-5356-9E50A9CD3928}"/>
+              </a:ext>
+            </a:extLst>
+          </p:cNvPr>
+          <p:cNvPicPr>
+            <a:picLocks noGrp="1" noChangeAspect="1"/>
+          </p:cNvPicPr>
           <p:nvPr>
             <p:ph idx="1"/>
           </p:nvPr>
-        </p:nvSpPr>
-        <p:spPr/>
-        <p:txBody>
-          <a:bodyPr/>
-          <a:lstStyle/>
-          <a:p>
-            <a:r>
-              <a:rPr lang="es-ES" dirty="0"/>
-              <a:t>Guardar</a:t>
-            </a:r>
-          </a:p>
-          <a:p>
-            <a:r>
-              <a:rPr lang="es-ES" dirty="0"/>
-              <a:t>Leer</a:t>
-            </a:r>
-          </a:p>
-          <a:p>
-            <a:r>
-              <a:rPr lang="es-ES" dirty="0"/>
-              <a:t>Borrar</a:t>
-            </a:r>
-          </a:p>
-        </p:txBody>
-      </p:sp>
+        </p:nvPicPr>
+        <p:blipFill>
+          <a:blip r:embed="rId2"/>
+          <a:stretch>
+            <a:fillRect/>
+          </a:stretch>
+        </p:blipFill>
+        <p:spPr>
+          <a:xfrm>
+            <a:off x="1550558" y="1893456"/>
+            <a:ext cx="2609971" cy="2654315"/>
+          </a:xfrm>
+        </p:spPr>
+      </p:pic>
+      <p:pic>
+        <p:nvPicPr>
+          <p:cNvPr id="7" name="Imagen 6">
+            <a:extLst>
+              <a:ext uri="{FF2B5EF4-FFF2-40B4-BE49-F238E27FC236}">
+                <a16:creationId xmlns:a16="http://schemas.microsoft.com/office/drawing/2014/main" id="{928AA6FA-D68B-73A6-BE2D-70E9E98A272C}"/>
+              </a:ext>
+            </a:extLst>
+          </p:cNvPr>
+          <p:cNvPicPr>
+            <a:picLocks noChangeAspect="1"/>
+          </p:cNvPicPr>
+          <p:nvPr/>
+        </p:nvPicPr>
+        <p:blipFill>
+          <a:blip r:embed="rId3"/>
+          <a:stretch>
+            <a:fillRect/>
+          </a:stretch>
+        </p:blipFill>
+        <p:spPr>
+          <a:xfrm>
+            <a:off x="388792" y="4547771"/>
+            <a:ext cx="11222016" cy="1686160"/>
+          </a:xfrm>
+          <a:prstGeom prst="rect">
+            <a:avLst/>
+          </a:prstGeom>
+        </p:spPr>
+      </p:pic>
+      <p:pic>
+        <p:nvPicPr>
+          <p:cNvPr id="11" name="Imagen 10">
+            <a:extLst>
+              <a:ext uri="{FF2B5EF4-FFF2-40B4-BE49-F238E27FC236}">
+                <a16:creationId xmlns:a16="http://schemas.microsoft.com/office/drawing/2014/main" id="{3D7917F5-5C16-DA0A-2ACA-8C242532724F}"/>
+              </a:ext>
+            </a:extLst>
+          </p:cNvPr>
+          <p:cNvPicPr>
+            <a:picLocks noChangeAspect="1"/>
+          </p:cNvPicPr>
+          <p:nvPr/>
+        </p:nvPicPr>
+        <p:blipFill>
+          <a:blip r:embed="rId4"/>
+          <a:stretch>
+            <a:fillRect/>
+          </a:stretch>
+        </p:blipFill>
+        <p:spPr>
+          <a:xfrm>
+            <a:off x="6096000" y="1893456"/>
+            <a:ext cx="2504536" cy="2164113"/>
+          </a:xfrm>
+          <a:prstGeom prst="rect">
+            <a:avLst/>
+          </a:prstGeom>
+        </p:spPr>
+      </p:pic>
     </p:spTree>
     <p:extLst>
       <p:ext uri="{BB962C8B-B14F-4D97-AF65-F5344CB8AC3E}">
-        <p14:creationId xmlns:p14="http://schemas.microsoft.com/office/powerpoint/2010/main" val="1780481175"/>
+        <p14:creationId xmlns:p14="http://schemas.microsoft.com/office/powerpoint/2010/main" val="1610030668"/>
       </p:ext>
     </p:extLst>
   </p:cSld>
@@ -7348,7 +7399,7 @@
           <p:cNvPr id="2" name="Título 1">
             <a:extLst>
               <a:ext uri="{FF2B5EF4-FFF2-40B4-BE49-F238E27FC236}">
-                <a16:creationId xmlns:a16="http://schemas.microsoft.com/office/drawing/2014/main" id="{421D6238-BF15-5C7A-8961-D0B4772B9E3D}"/>
+                <a16:creationId xmlns:a16="http://schemas.microsoft.com/office/drawing/2014/main" id="{5A040E7D-FA0B-B0FE-1E88-39D49ADAA22F}"/>
               </a:ext>
             </a:extLst>
           </p:cNvPr>
@@ -7366,104 +7417,55 @@
           <a:p>
             <a:r>
               <a:rPr lang="es-ES" dirty="0"/>
-              <a:t>Front</a:t>
-            </a:r>
-          </a:p>
-        </p:txBody>
-      </p:sp>
-      <p:pic>
-        <p:nvPicPr>
-          <p:cNvPr id="5" name="Marcador de contenido 4">
-            <a:extLst>
-              <a:ext uri="{FF2B5EF4-FFF2-40B4-BE49-F238E27FC236}">
-                <a16:creationId xmlns:a16="http://schemas.microsoft.com/office/drawing/2014/main" id="{F14DC577-ABA3-3CF5-1537-7ADD2A516212}"/>
-              </a:ext>
-            </a:extLst>
-          </p:cNvPr>
-          <p:cNvPicPr>
-            <a:picLocks noGrp="1" noChangeAspect="1"/>
-          </p:cNvPicPr>
+              <a:t>Favoritos</a:t>
+            </a:r>
+          </a:p>
+        </p:txBody>
+      </p:sp>
+      <p:sp>
+        <p:nvSpPr>
+          <p:cNvPr id="3" name="Marcador de contenido 2">
+            <a:extLst>
+              <a:ext uri="{FF2B5EF4-FFF2-40B4-BE49-F238E27FC236}">
+                <a16:creationId xmlns:a16="http://schemas.microsoft.com/office/drawing/2014/main" id="{49D9DEDC-3BD7-595F-48B7-029674C2122B}"/>
+              </a:ext>
+            </a:extLst>
+          </p:cNvPr>
+          <p:cNvSpPr>
+            <a:spLocks noGrp="1"/>
+          </p:cNvSpPr>
           <p:nvPr>
             <p:ph idx="1"/>
           </p:nvPr>
-        </p:nvPicPr>
-        <p:blipFill>
-          <a:blip r:embed="rId2"/>
-          <a:stretch>
-            <a:fillRect/>
-          </a:stretch>
-        </p:blipFill>
-        <p:spPr>
-          <a:xfrm>
-            <a:off x="1992128" y="2054771"/>
-            <a:ext cx="1772437" cy="3678238"/>
-          </a:xfrm>
-        </p:spPr>
-      </p:pic>
-      <p:pic>
-        <p:nvPicPr>
-          <p:cNvPr id="7" name="Imagen 6">
-            <a:extLst>
-              <a:ext uri="{FF2B5EF4-FFF2-40B4-BE49-F238E27FC236}">
-                <a16:creationId xmlns:a16="http://schemas.microsoft.com/office/drawing/2014/main" id="{9A70EA01-CCB7-4E3E-2F7E-68FC7E53DFDD}"/>
-              </a:ext>
-            </a:extLst>
-          </p:cNvPr>
-          <p:cNvPicPr>
-            <a:picLocks noChangeAspect="1"/>
-          </p:cNvPicPr>
-          <p:nvPr/>
-        </p:nvPicPr>
-        <p:blipFill>
-          <a:blip r:embed="rId3"/>
-          <a:stretch>
-            <a:fillRect/>
-          </a:stretch>
-        </p:blipFill>
-        <p:spPr>
-          <a:xfrm>
-            <a:off x="7064460" y="1935680"/>
-            <a:ext cx="3953427" cy="4220164"/>
-          </a:xfrm>
-          <a:prstGeom prst="rect">
-            <a:avLst/>
-          </a:prstGeom>
-        </p:spPr>
-      </p:pic>
-      <p:pic>
-        <p:nvPicPr>
-          <p:cNvPr id="9" name="Imagen 8">
-            <a:extLst>
-              <a:ext uri="{FF2B5EF4-FFF2-40B4-BE49-F238E27FC236}">
-                <a16:creationId xmlns:a16="http://schemas.microsoft.com/office/drawing/2014/main" id="{3A00B1D3-DEE1-1D58-0092-B61BDF493B48}"/>
-              </a:ext>
-            </a:extLst>
-          </p:cNvPr>
-          <p:cNvPicPr>
-            <a:picLocks noChangeAspect="1"/>
-          </p:cNvPicPr>
-          <p:nvPr/>
-        </p:nvPicPr>
-        <p:blipFill>
-          <a:blip r:embed="rId4"/>
-          <a:stretch>
-            <a:fillRect/>
-          </a:stretch>
-        </p:blipFill>
-        <p:spPr>
-          <a:xfrm>
-            <a:off x="4077857" y="2054771"/>
-            <a:ext cx="2673311" cy="3895582"/>
-          </a:xfrm>
-          <a:prstGeom prst="rect">
-            <a:avLst/>
-          </a:prstGeom>
-        </p:spPr>
-      </p:pic>
+        </p:nvSpPr>
+        <p:spPr/>
+        <p:txBody>
+          <a:bodyPr/>
+          <a:lstStyle/>
+          <a:p>
+            <a:r>
+              <a:rPr lang="es-ES" dirty="0"/>
+              <a:t>Guardar</a:t>
+            </a:r>
+          </a:p>
+          <a:p>
+            <a:r>
+              <a:rPr lang="es-ES" dirty="0"/>
+              <a:t>Leer</a:t>
+            </a:r>
+          </a:p>
+          <a:p>
+            <a:r>
+              <a:rPr lang="es-ES" dirty="0"/>
+              <a:t>Borrar</a:t>
+            </a:r>
+          </a:p>
+        </p:txBody>
+      </p:sp>
     </p:spTree>
     <p:extLst>
       <p:ext uri="{BB962C8B-B14F-4D97-AF65-F5344CB8AC3E}">
-        <p14:creationId xmlns:p14="http://schemas.microsoft.com/office/powerpoint/2010/main" val="230369753"/>
+        <p14:creationId xmlns:p14="http://schemas.microsoft.com/office/powerpoint/2010/main" val="1780481175"/>
       </p:ext>
     </p:extLst>
   </p:cSld>
@@ -7633,7 +7635,7 @@
           <p:cNvPr id="2" name="Título 1">
             <a:extLst>
               <a:ext uri="{FF2B5EF4-FFF2-40B4-BE49-F238E27FC236}">
-                <a16:creationId xmlns:a16="http://schemas.microsoft.com/office/drawing/2014/main" id="{6ECE8F4F-5852-7705-2E1C-B730FE62AC0D}"/>
+                <a16:creationId xmlns:a16="http://schemas.microsoft.com/office/drawing/2014/main" id="{421D6238-BF15-5C7A-8961-D0B4772B9E3D}"/>
               </a:ext>
             </a:extLst>
           </p:cNvPr>
@@ -7650,26 +7652,27 @@
           <a:lstStyle/>
           <a:p>
             <a:r>
-              <a:rPr lang="es-ES" dirty="0" err="1"/>
-              <a:t>Tests</a:t>
-            </a:r>
-            <a:endParaRPr lang="es-ES" dirty="0"/>
+              <a:rPr lang="es-ES" dirty="0"/>
+              <a:t>Front</a:t>
+            </a:r>
           </a:p>
         </p:txBody>
       </p:sp>
       <p:pic>
         <p:nvPicPr>
-          <p:cNvPr id="4" name="Imagen 3" descr="Interfaz de usuario gráfica&#10;&#10;Descripción generada automáticamente">
-            <a:extLst>
-              <a:ext uri="{FF2B5EF4-FFF2-40B4-BE49-F238E27FC236}">
-                <a16:creationId xmlns:a16="http://schemas.microsoft.com/office/drawing/2014/main" id="{40768248-41C0-1AD4-246E-E70708739132}"/>
+          <p:cNvPr id="5" name="Marcador de contenido 4">
+            <a:extLst>
+              <a:ext uri="{FF2B5EF4-FFF2-40B4-BE49-F238E27FC236}">
+                <a16:creationId xmlns:a16="http://schemas.microsoft.com/office/drawing/2014/main" id="{F14DC577-ABA3-3CF5-1537-7ADD2A516212}"/>
               </a:ext>
             </a:extLst>
           </p:cNvPr>
           <p:cNvPicPr>
-            <a:picLocks noChangeAspect="1"/>
+            <a:picLocks noGrp="1" noChangeAspect="1"/>
           </p:cNvPicPr>
-          <p:nvPr/>
+          <p:nvPr>
+            <p:ph idx="1"/>
+          </p:nvPr>
         </p:nvPicPr>
         <p:blipFill>
           <a:blip r:embed="rId2"/>
@@ -7679,8 +7682,65 @@
         </p:blipFill>
         <p:spPr>
           <a:xfrm>
-            <a:off x="1052422" y="2913431"/>
-            <a:ext cx="10087155" cy="1862799"/>
+            <a:off x="1992128" y="2054771"/>
+            <a:ext cx="1772437" cy="3678238"/>
+          </a:xfrm>
+        </p:spPr>
+      </p:pic>
+      <p:pic>
+        <p:nvPicPr>
+          <p:cNvPr id="7" name="Imagen 6">
+            <a:extLst>
+              <a:ext uri="{FF2B5EF4-FFF2-40B4-BE49-F238E27FC236}">
+                <a16:creationId xmlns:a16="http://schemas.microsoft.com/office/drawing/2014/main" id="{9A70EA01-CCB7-4E3E-2F7E-68FC7E53DFDD}"/>
+              </a:ext>
+            </a:extLst>
+          </p:cNvPr>
+          <p:cNvPicPr>
+            <a:picLocks noChangeAspect="1"/>
+          </p:cNvPicPr>
+          <p:nvPr/>
+        </p:nvPicPr>
+        <p:blipFill>
+          <a:blip r:embed="rId3"/>
+          <a:stretch>
+            <a:fillRect/>
+          </a:stretch>
+        </p:blipFill>
+        <p:spPr>
+          <a:xfrm>
+            <a:off x="7064460" y="1935680"/>
+            <a:ext cx="3953427" cy="4220164"/>
+          </a:xfrm>
+          <a:prstGeom prst="rect">
+            <a:avLst/>
+          </a:prstGeom>
+        </p:spPr>
+      </p:pic>
+      <p:pic>
+        <p:nvPicPr>
+          <p:cNvPr id="9" name="Imagen 8">
+            <a:extLst>
+              <a:ext uri="{FF2B5EF4-FFF2-40B4-BE49-F238E27FC236}">
+                <a16:creationId xmlns:a16="http://schemas.microsoft.com/office/drawing/2014/main" id="{3A00B1D3-DEE1-1D58-0092-B61BDF493B48}"/>
+              </a:ext>
+            </a:extLst>
+          </p:cNvPr>
+          <p:cNvPicPr>
+            <a:picLocks noChangeAspect="1"/>
+          </p:cNvPicPr>
+          <p:nvPr/>
+        </p:nvPicPr>
+        <p:blipFill>
+          <a:blip r:embed="rId4"/>
+          <a:stretch>
+            <a:fillRect/>
+          </a:stretch>
+        </p:blipFill>
+        <p:spPr>
+          <a:xfrm>
+            <a:off x="4077857" y="2054771"/>
+            <a:ext cx="2673311" cy="3895582"/>
           </a:xfrm>
           <a:prstGeom prst="rect">
             <a:avLst/>
@@ -7690,7 +7750,7 @@
     </p:spTree>
     <p:extLst>
       <p:ext uri="{BB962C8B-B14F-4D97-AF65-F5344CB8AC3E}">
-        <p14:creationId xmlns:p14="http://schemas.microsoft.com/office/powerpoint/2010/main" val="2680079213"/>
+        <p14:creationId xmlns:p14="http://schemas.microsoft.com/office/powerpoint/2010/main" val="230369753"/>
       </p:ext>
     </p:extLst>
   </p:cSld>
@@ -7722,7 +7782,7 @@
           <p:cNvPr id="2" name="Título 1">
             <a:extLst>
               <a:ext uri="{FF2B5EF4-FFF2-40B4-BE49-F238E27FC236}">
-                <a16:creationId xmlns:a16="http://schemas.microsoft.com/office/drawing/2014/main" id="{C0D4FF4B-079D-876D-7023-B12B79D3E655}"/>
+                <a16:creationId xmlns:a16="http://schemas.microsoft.com/office/drawing/2014/main" id="{6ECE8F4F-5852-7705-2E1C-B730FE62AC0D}"/>
               </a:ext>
             </a:extLst>
           </p:cNvPr>
@@ -7740,7 +7800,7 @@
           <a:p>
             <a:r>
               <a:rPr lang="es-ES" dirty="0" err="1"/>
-              <a:t>Despliege</a:t>
+              <a:t>Tests</a:t>
             </a:r>
             <a:endParaRPr lang="es-ES" dirty="0"/>
           </a:p>
@@ -7748,19 +7808,17 @@
       </p:sp>
       <p:pic>
         <p:nvPicPr>
-          <p:cNvPr id="9" name="Marcador de contenido 8">
-            <a:extLst>
-              <a:ext uri="{FF2B5EF4-FFF2-40B4-BE49-F238E27FC236}">
-                <a16:creationId xmlns:a16="http://schemas.microsoft.com/office/drawing/2014/main" id="{ABCD7931-5A5D-6DEA-3F10-724B0489489C}"/>
+          <p:cNvPr id="4" name="Imagen 3" descr="Interfaz de usuario gráfica&#10;&#10;Descripción generada automáticamente">
+            <a:extLst>
+              <a:ext uri="{FF2B5EF4-FFF2-40B4-BE49-F238E27FC236}">
+                <a16:creationId xmlns:a16="http://schemas.microsoft.com/office/drawing/2014/main" id="{40768248-41C0-1AD4-246E-E70708739132}"/>
               </a:ext>
             </a:extLst>
           </p:cNvPr>
           <p:cNvPicPr>
-            <a:picLocks noGrp="1" noChangeAspect="1"/>
+            <a:picLocks noChangeAspect="1"/>
           </p:cNvPicPr>
-          <p:nvPr>
-            <p:ph idx="1"/>
-          </p:nvPr>
+          <p:nvPr/>
         </p:nvPicPr>
         <p:blipFill>
           <a:blip r:embed="rId2"/>
@@ -7770,55 +7828,18 @@
         </p:blipFill>
         <p:spPr>
           <a:xfrm>
-            <a:off x="2467659" y="3191774"/>
-            <a:ext cx="6300238" cy="3184912"/>
-          </a:xfrm>
-        </p:spPr>
-      </p:pic>
-      <p:sp>
-        <p:nvSpPr>
-          <p:cNvPr id="10" name="CuadroTexto 9">
-            <a:extLst>
-              <a:ext uri="{FF2B5EF4-FFF2-40B4-BE49-F238E27FC236}">
-                <a16:creationId xmlns:a16="http://schemas.microsoft.com/office/drawing/2014/main" id="{0BCC2CBE-70CD-603C-09DC-D550BB8CC815}"/>
-              </a:ext>
-            </a:extLst>
-          </p:cNvPr>
-          <p:cNvSpPr txBox="1"/>
-          <p:nvPr/>
-        </p:nvSpPr>
-        <p:spPr>
-          <a:xfrm>
-            <a:off x="374158" y="2018580"/>
-            <a:ext cx="9485834" cy="369332"/>
+            <a:off x="1052422" y="2913431"/>
+            <a:ext cx="10087155" cy="1862799"/>
           </a:xfrm>
           <a:prstGeom prst="rect">
             <a:avLst/>
           </a:prstGeom>
-          <a:noFill/>
-        </p:spPr>
-        <p:txBody>
-          <a:bodyPr wrap="square" rtlCol="0">
-            <a:spAutoFit/>
-          </a:bodyPr>
-          <a:lstStyle/>
-          <a:p>
-            <a:r>
-              <a:rPr lang="es-ES" dirty="0"/>
-              <a:t>Primero se compila y se sube la imagen a Docker </a:t>
-            </a:r>
-            <a:r>
-              <a:rPr lang="es-ES" dirty="0" err="1"/>
-              <a:t>hub</a:t>
-            </a:r>
-            <a:endParaRPr lang="es-ES" dirty="0"/>
-          </a:p>
-        </p:txBody>
-      </p:sp>
+        </p:spPr>
+      </p:pic>
     </p:spTree>
     <p:extLst>
       <p:ext uri="{BB962C8B-B14F-4D97-AF65-F5344CB8AC3E}">
-        <p14:creationId xmlns:p14="http://schemas.microsoft.com/office/powerpoint/2010/main" val="4164825674"/>
+        <p14:creationId xmlns:p14="http://schemas.microsoft.com/office/powerpoint/2010/main" val="2680079213"/>
       </p:ext>
     </p:extLst>
   </p:cSld>
@@ -7850,7 +7871,7 @@
           <p:cNvPr id="2" name="Título 1">
             <a:extLst>
               <a:ext uri="{FF2B5EF4-FFF2-40B4-BE49-F238E27FC236}">
-                <a16:creationId xmlns:a16="http://schemas.microsoft.com/office/drawing/2014/main" id="{C0D4FF4B-079D-876D-7023-B12B79D3E655}"/>
+                <a16:creationId xmlns:a16="http://schemas.microsoft.com/office/drawing/2014/main" id="{AF7CDA27-ED0C-7799-1F7D-EFCC811AE8C1}"/>
               </a:ext>
             </a:extLst>
           </p:cNvPr>
@@ -7867,10 +7888,667 @@
           <a:lstStyle/>
           <a:p>
             <a:r>
+              <a:rPr lang="es-ES" dirty="0"/>
+              <a:t>CI</a:t>
+            </a:r>
+          </a:p>
+        </p:txBody>
+      </p:sp>
+      <p:pic>
+        <p:nvPicPr>
+          <p:cNvPr id="5" name="Marcador de contenido 4">
+            <a:extLst>
+              <a:ext uri="{FF2B5EF4-FFF2-40B4-BE49-F238E27FC236}">
+                <a16:creationId xmlns:a16="http://schemas.microsoft.com/office/drawing/2014/main" id="{F31F398D-2CAF-5B50-3CD8-61B6BBECE2EE}"/>
+              </a:ext>
+            </a:extLst>
+          </p:cNvPr>
+          <p:cNvPicPr>
+            <a:picLocks noGrp="1" noChangeAspect="1"/>
+          </p:cNvPicPr>
+          <p:nvPr>
+            <p:ph idx="1"/>
+          </p:nvPr>
+        </p:nvPicPr>
+        <p:blipFill>
+          <a:blip r:embed="rId2"/>
+          <a:stretch>
+            <a:fillRect/>
+          </a:stretch>
+        </p:blipFill>
+        <p:spPr>
+          <a:xfrm>
+            <a:off x="4623760" y="2163761"/>
+            <a:ext cx="5676764" cy="3825098"/>
+          </a:xfrm>
+        </p:spPr>
+      </p:pic>
+      <p:sp>
+        <p:nvSpPr>
+          <p:cNvPr id="6" name="CuadroTexto 5">
+            <a:extLst>
+              <a:ext uri="{FF2B5EF4-FFF2-40B4-BE49-F238E27FC236}">
+                <a16:creationId xmlns:a16="http://schemas.microsoft.com/office/drawing/2014/main" id="{BB58FE08-122F-A097-5593-A35AFA6C4A7E}"/>
+              </a:ext>
+            </a:extLst>
+          </p:cNvPr>
+          <p:cNvSpPr txBox="1"/>
+          <p:nvPr/>
+        </p:nvSpPr>
+        <p:spPr>
+          <a:xfrm>
+            <a:off x="581193" y="2163761"/>
+            <a:ext cx="3801026" cy="369332"/>
+          </a:xfrm>
+          <a:prstGeom prst="rect">
+            <a:avLst/>
+          </a:prstGeom>
+          <a:noFill/>
+        </p:spPr>
+        <p:txBody>
+          <a:bodyPr wrap="square" rtlCol="0">
+            <a:spAutoFit/>
+          </a:bodyPr>
+          <a:lstStyle/>
+          <a:p>
+            <a:r>
+              <a:rPr lang="es-ES" dirty="0"/>
+              <a:t>Configurar variables de entorno</a:t>
+            </a:r>
+          </a:p>
+        </p:txBody>
+      </p:sp>
+    </p:spTree>
+    <p:extLst>
+      <p:ext uri="{BB962C8B-B14F-4D97-AF65-F5344CB8AC3E}">
+        <p14:creationId xmlns:p14="http://schemas.microsoft.com/office/powerpoint/2010/main" val="3414880789"/>
+      </p:ext>
+    </p:extLst>
+  </p:cSld>
+  <p:clrMapOvr>
+    <a:masterClrMapping/>
+  </p:clrMapOvr>
+</p:sld>
+</file>
+
+<file path=ppt/slides/slide33.xml><?xml version="1.0" encoding="utf-8"?>
+<p:sld xmlns:a="http://schemas.openxmlformats.org/drawingml/2006/main" xmlns:r="http://schemas.openxmlformats.org/officeDocument/2006/relationships" xmlns:p="http://schemas.openxmlformats.org/presentationml/2006/main">
+  <p:cSld>
+    <p:spTree>
+      <p:nvGrpSpPr>
+        <p:cNvPr id="1" name=""/>
+        <p:cNvGrpSpPr/>
+        <p:nvPr/>
+      </p:nvGrpSpPr>
+      <p:grpSpPr>
+        <a:xfrm>
+          <a:off x="0" y="0"/>
+          <a:ext cx="0" cy="0"/>
+          <a:chOff x="0" y="0"/>
+          <a:chExt cx="0" cy="0"/>
+        </a:xfrm>
+      </p:grpSpPr>
+      <p:sp>
+        <p:nvSpPr>
+          <p:cNvPr id="2" name="Título 1">
+            <a:extLst>
+              <a:ext uri="{FF2B5EF4-FFF2-40B4-BE49-F238E27FC236}">
+                <a16:creationId xmlns:a16="http://schemas.microsoft.com/office/drawing/2014/main" id="{DC40F6B0-4E95-7382-F265-677E2417FA09}"/>
+              </a:ext>
+            </a:extLst>
+          </p:cNvPr>
+          <p:cNvSpPr>
+            <a:spLocks noGrp="1"/>
+          </p:cNvSpPr>
+          <p:nvPr>
+            <p:ph type="title"/>
+          </p:nvPr>
+        </p:nvSpPr>
+        <p:spPr/>
+        <p:txBody>
+          <a:bodyPr/>
+          <a:lstStyle/>
+          <a:p>
+            <a:r>
+              <a:rPr lang="es-ES" dirty="0"/>
+              <a:t>CI</a:t>
+            </a:r>
+          </a:p>
+        </p:txBody>
+      </p:sp>
+      <p:pic>
+        <p:nvPicPr>
+          <p:cNvPr id="5" name="Marcador de contenido 4">
+            <a:extLst>
+              <a:ext uri="{FF2B5EF4-FFF2-40B4-BE49-F238E27FC236}">
+                <a16:creationId xmlns:a16="http://schemas.microsoft.com/office/drawing/2014/main" id="{76EBDAD6-0E63-4BA6-B20B-3DF5330642B8}"/>
+              </a:ext>
+            </a:extLst>
+          </p:cNvPr>
+          <p:cNvPicPr>
+            <a:picLocks noGrp="1" noChangeAspect="1"/>
+          </p:cNvPicPr>
+          <p:nvPr>
+            <p:ph idx="1"/>
+          </p:nvPr>
+        </p:nvPicPr>
+        <p:blipFill>
+          <a:blip r:embed="rId2"/>
+          <a:stretch>
+            <a:fillRect/>
+          </a:stretch>
+        </p:blipFill>
+        <p:spPr>
+          <a:xfrm>
+            <a:off x="2579088" y="2181225"/>
+            <a:ext cx="7033823" cy="3678238"/>
+          </a:xfrm>
+        </p:spPr>
+      </p:pic>
+    </p:spTree>
+    <p:extLst>
+      <p:ext uri="{BB962C8B-B14F-4D97-AF65-F5344CB8AC3E}">
+        <p14:creationId xmlns:p14="http://schemas.microsoft.com/office/powerpoint/2010/main" val="1763098966"/>
+      </p:ext>
+    </p:extLst>
+  </p:cSld>
+  <p:clrMapOvr>
+    <a:masterClrMapping/>
+  </p:clrMapOvr>
+</p:sld>
+</file>
+
+<file path=ppt/slides/slide34.xml><?xml version="1.0" encoding="utf-8"?>
+<p:sld xmlns:a="http://schemas.openxmlformats.org/drawingml/2006/main" xmlns:r="http://schemas.openxmlformats.org/officeDocument/2006/relationships" xmlns:p="http://schemas.openxmlformats.org/presentationml/2006/main">
+  <p:cSld>
+    <p:spTree>
+      <p:nvGrpSpPr>
+        <p:cNvPr id="1" name=""/>
+        <p:cNvGrpSpPr/>
+        <p:nvPr/>
+      </p:nvGrpSpPr>
+      <p:grpSpPr>
+        <a:xfrm>
+          <a:off x="0" y="0"/>
+          <a:ext cx="0" cy="0"/>
+          <a:chOff x="0" y="0"/>
+          <a:chExt cx="0" cy="0"/>
+        </a:xfrm>
+      </p:grpSpPr>
+      <p:sp>
+        <p:nvSpPr>
+          <p:cNvPr id="2" name="Título 1">
+            <a:extLst>
+              <a:ext uri="{FF2B5EF4-FFF2-40B4-BE49-F238E27FC236}">
+                <a16:creationId xmlns:a16="http://schemas.microsoft.com/office/drawing/2014/main" id="{17F5B73B-41F1-E2E5-212A-87B23CC608F3}"/>
+              </a:ext>
+            </a:extLst>
+          </p:cNvPr>
+          <p:cNvSpPr>
+            <a:spLocks noGrp="1"/>
+          </p:cNvSpPr>
+          <p:nvPr>
+            <p:ph type="title"/>
+          </p:nvPr>
+        </p:nvSpPr>
+        <p:spPr/>
+        <p:txBody>
+          <a:bodyPr/>
+          <a:lstStyle/>
+          <a:p>
+            <a:r>
+              <a:rPr lang="es-ES" dirty="0"/>
+              <a:t>JAR</a:t>
+            </a:r>
+          </a:p>
+        </p:txBody>
+      </p:sp>
+      <p:pic>
+        <p:nvPicPr>
+          <p:cNvPr id="5" name="Marcador de contenido 4">
+            <a:extLst>
+              <a:ext uri="{FF2B5EF4-FFF2-40B4-BE49-F238E27FC236}">
+                <a16:creationId xmlns:a16="http://schemas.microsoft.com/office/drawing/2014/main" id="{F7615DB4-4FB8-7384-5E78-AE87402E24BA}"/>
+              </a:ext>
+            </a:extLst>
+          </p:cNvPr>
+          <p:cNvPicPr>
+            <a:picLocks noGrp="1" noChangeAspect="1"/>
+          </p:cNvPicPr>
+          <p:nvPr>
+            <p:ph idx="1"/>
+          </p:nvPr>
+        </p:nvPicPr>
+        <p:blipFill>
+          <a:blip r:embed="rId2"/>
+          <a:stretch>
+            <a:fillRect/>
+          </a:stretch>
+        </p:blipFill>
+        <p:spPr>
+          <a:xfrm>
+            <a:off x="3342891" y="3963012"/>
+            <a:ext cx="5506218" cy="1305107"/>
+          </a:xfrm>
+        </p:spPr>
+      </p:pic>
+      <p:pic>
+        <p:nvPicPr>
+          <p:cNvPr id="7" name="Imagen 6">
+            <a:extLst>
+              <a:ext uri="{FF2B5EF4-FFF2-40B4-BE49-F238E27FC236}">
+                <a16:creationId xmlns:a16="http://schemas.microsoft.com/office/drawing/2014/main" id="{C050BD9E-CF9E-80AD-D17C-5ABC577F9B21}"/>
+              </a:ext>
+            </a:extLst>
+          </p:cNvPr>
+          <p:cNvPicPr>
+            <a:picLocks noChangeAspect="1"/>
+          </p:cNvPicPr>
+          <p:nvPr/>
+        </p:nvPicPr>
+        <p:blipFill>
+          <a:blip r:embed="rId3"/>
+          <a:stretch>
+            <a:fillRect/>
+          </a:stretch>
+        </p:blipFill>
+        <p:spPr>
+          <a:xfrm>
+            <a:off x="2959511" y="2379688"/>
+            <a:ext cx="6134956" cy="1419423"/>
+          </a:xfrm>
+          <a:prstGeom prst="rect">
+            <a:avLst/>
+          </a:prstGeom>
+        </p:spPr>
+      </p:pic>
+    </p:spTree>
+    <p:extLst>
+      <p:ext uri="{BB962C8B-B14F-4D97-AF65-F5344CB8AC3E}">
+        <p14:creationId xmlns:p14="http://schemas.microsoft.com/office/powerpoint/2010/main" val="1094729732"/>
+      </p:ext>
+    </p:extLst>
+  </p:cSld>
+  <p:clrMapOvr>
+    <a:masterClrMapping/>
+  </p:clrMapOvr>
+</p:sld>
+</file>
+
+<file path=ppt/slides/slide35.xml><?xml version="1.0" encoding="utf-8"?>
+<p:sld xmlns:a="http://schemas.openxmlformats.org/drawingml/2006/main" xmlns:r="http://schemas.openxmlformats.org/officeDocument/2006/relationships" xmlns:p="http://schemas.openxmlformats.org/presentationml/2006/main">
+  <p:cSld>
+    <p:spTree>
+      <p:nvGrpSpPr>
+        <p:cNvPr id="1" name=""/>
+        <p:cNvGrpSpPr/>
+        <p:nvPr/>
+      </p:nvGrpSpPr>
+      <p:grpSpPr>
+        <a:xfrm>
+          <a:off x="0" y="0"/>
+          <a:ext cx="0" cy="0"/>
+          <a:chOff x="0" y="0"/>
+          <a:chExt cx="0" cy="0"/>
+        </a:xfrm>
+      </p:grpSpPr>
+      <p:sp>
+        <p:nvSpPr>
+          <p:cNvPr id="2" name="Título 1">
+            <a:extLst>
+              <a:ext uri="{FF2B5EF4-FFF2-40B4-BE49-F238E27FC236}">
+                <a16:creationId xmlns:a16="http://schemas.microsoft.com/office/drawing/2014/main" id="{2BCB4851-74A0-1A21-9E22-06867B57987C}"/>
+              </a:ext>
+            </a:extLst>
+          </p:cNvPr>
+          <p:cNvSpPr>
+            <a:spLocks noGrp="1"/>
+          </p:cNvSpPr>
+          <p:nvPr>
+            <p:ph type="title"/>
+          </p:nvPr>
+        </p:nvSpPr>
+        <p:spPr/>
+        <p:txBody>
+          <a:bodyPr/>
+          <a:lstStyle/>
+          <a:p>
+            <a:r>
+              <a:rPr lang="es-ES" dirty="0"/>
+              <a:t>Docker</a:t>
+            </a:r>
+          </a:p>
+        </p:txBody>
+      </p:sp>
+      <p:pic>
+        <p:nvPicPr>
+          <p:cNvPr id="5" name="Marcador de contenido 4">
+            <a:extLst>
+              <a:ext uri="{FF2B5EF4-FFF2-40B4-BE49-F238E27FC236}">
+                <a16:creationId xmlns:a16="http://schemas.microsoft.com/office/drawing/2014/main" id="{280CE7AA-2C06-9C6E-3194-A088F9D900E4}"/>
+              </a:ext>
+            </a:extLst>
+          </p:cNvPr>
+          <p:cNvPicPr>
+            <a:picLocks noGrp="1" noChangeAspect="1"/>
+          </p:cNvPicPr>
+          <p:nvPr>
+            <p:ph idx="1"/>
+          </p:nvPr>
+        </p:nvPicPr>
+        <p:blipFill>
+          <a:blip r:embed="rId2"/>
+          <a:stretch>
+            <a:fillRect/>
+          </a:stretch>
+        </p:blipFill>
+        <p:spPr>
+          <a:xfrm>
+            <a:off x="3260445" y="2181225"/>
+            <a:ext cx="5671109" cy="3678238"/>
+          </a:xfrm>
+        </p:spPr>
+      </p:pic>
+    </p:spTree>
+    <p:extLst>
+      <p:ext uri="{BB962C8B-B14F-4D97-AF65-F5344CB8AC3E}">
+        <p14:creationId xmlns:p14="http://schemas.microsoft.com/office/powerpoint/2010/main" val="2641658417"/>
+      </p:ext>
+    </p:extLst>
+  </p:cSld>
+  <p:clrMapOvr>
+    <a:masterClrMapping/>
+  </p:clrMapOvr>
+</p:sld>
+</file>
+
+<file path=ppt/slides/slide36.xml><?xml version="1.0" encoding="utf-8"?>
+<p:sld xmlns:a="http://schemas.openxmlformats.org/drawingml/2006/main" xmlns:r="http://schemas.openxmlformats.org/officeDocument/2006/relationships" xmlns:p="http://schemas.openxmlformats.org/presentationml/2006/main">
+  <p:cSld>
+    <p:spTree>
+      <p:nvGrpSpPr>
+        <p:cNvPr id="1" name=""/>
+        <p:cNvGrpSpPr/>
+        <p:nvPr/>
+      </p:nvGrpSpPr>
+      <p:grpSpPr>
+        <a:xfrm>
+          <a:off x="0" y="0"/>
+          <a:ext cx="0" cy="0"/>
+          <a:chOff x="0" y="0"/>
+          <a:chExt cx="0" cy="0"/>
+        </a:xfrm>
+      </p:grpSpPr>
+      <p:sp>
+        <p:nvSpPr>
+          <p:cNvPr id="2" name="Título 1">
+            <a:extLst>
+              <a:ext uri="{FF2B5EF4-FFF2-40B4-BE49-F238E27FC236}">
+                <a16:creationId xmlns:a16="http://schemas.microsoft.com/office/drawing/2014/main" id="{60F974C1-E2C0-6AF8-AC20-1749805BEC17}"/>
+              </a:ext>
+            </a:extLst>
+          </p:cNvPr>
+          <p:cNvSpPr>
+            <a:spLocks noGrp="1"/>
+          </p:cNvSpPr>
+          <p:nvPr>
+            <p:ph type="title"/>
+          </p:nvPr>
+        </p:nvSpPr>
+        <p:spPr/>
+        <p:txBody>
+          <a:bodyPr/>
+          <a:lstStyle/>
+          <a:p>
+            <a:r>
               <a:rPr lang="es-ES" dirty="0" err="1"/>
-              <a:t>Despliege</a:t>
+              <a:t>nginx</a:t>
             </a:r>
             <a:endParaRPr lang="es-ES" dirty="0"/>
+          </a:p>
+        </p:txBody>
+      </p:sp>
+      <p:pic>
+        <p:nvPicPr>
+          <p:cNvPr id="5" name="Marcador de contenido 4">
+            <a:extLst>
+              <a:ext uri="{FF2B5EF4-FFF2-40B4-BE49-F238E27FC236}">
+                <a16:creationId xmlns:a16="http://schemas.microsoft.com/office/drawing/2014/main" id="{D715287E-F2D7-5B81-92FD-6C887C91EAA8}"/>
+              </a:ext>
+            </a:extLst>
+          </p:cNvPr>
+          <p:cNvPicPr>
+            <a:picLocks noGrp="1" noChangeAspect="1"/>
+          </p:cNvPicPr>
+          <p:nvPr>
+            <p:ph idx="1"/>
+          </p:nvPr>
+        </p:nvPicPr>
+        <p:blipFill>
+          <a:blip r:embed="rId2"/>
+          <a:stretch>
+            <a:fillRect/>
+          </a:stretch>
+        </p:blipFill>
+        <p:spPr>
+          <a:xfrm>
+            <a:off x="6643805" y="3157267"/>
+            <a:ext cx="4636326" cy="1684731"/>
+          </a:xfrm>
+        </p:spPr>
+      </p:pic>
+      <p:pic>
+        <p:nvPicPr>
+          <p:cNvPr id="7" name="Imagen 6">
+            <a:extLst>
+              <a:ext uri="{FF2B5EF4-FFF2-40B4-BE49-F238E27FC236}">
+                <a16:creationId xmlns:a16="http://schemas.microsoft.com/office/drawing/2014/main" id="{7561CBF8-C9F9-D1CC-852A-7688A0A636BC}"/>
+              </a:ext>
+            </a:extLst>
+          </p:cNvPr>
+          <p:cNvPicPr>
+            <a:picLocks noChangeAspect="1"/>
+          </p:cNvPicPr>
+          <p:nvPr/>
+        </p:nvPicPr>
+        <p:blipFill>
+          <a:blip r:embed="rId3"/>
+          <a:stretch>
+            <a:fillRect/>
+          </a:stretch>
+        </p:blipFill>
+        <p:spPr>
+          <a:xfrm>
+            <a:off x="1457864" y="3063969"/>
+            <a:ext cx="4820309" cy="1896919"/>
+          </a:xfrm>
+          <a:prstGeom prst="rect">
+            <a:avLst/>
+          </a:prstGeom>
+        </p:spPr>
+      </p:pic>
+    </p:spTree>
+    <p:extLst>
+      <p:ext uri="{BB962C8B-B14F-4D97-AF65-F5344CB8AC3E}">
+        <p14:creationId xmlns:p14="http://schemas.microsoft.com/office/powerpoint/2010/main" val="3466280605"/>
+      </p:ext>
+    </p:extLst>
+  </p:cSld>
+  <p:clrMapOvr>
+    <a:masterClrMapping/>
+  </p:clrMapOvr>
+</p:sld>
+</file>
+
+<file path=ppt/slides/slide37.xml><?xml version="1.0" encoding="utf-8"?>
+<p:sld xmlns:a="http://schemas.openxmlformats.org/drawingml/2006/main" xmlns:r="http://schemas.openxmlformats.org/officeDocument/2006/relationships" xmlns:p="http://schemas.openxmlformats.org/presentationml/2006/main">
+  <p:cSld>
+    <p:spTree>
+      <p:nvGrpSpPr>
+        <p:cNvPr id="1" name=""/>
+        <p:cNvGrpSpPr/>
+        <p:nvPr/>
+      </p:nvGrpSpPr>
+      <p:grpSpPr>
+        <a:xfrm>
+          <a:off x="0" y="0"/>
+          <a:ext cx="0" cy="0"/>
+          <a:chOff x="0" y="0"/>
+          <a:chExt cx="0" cy="0"/>
+        </a:xfrm>
+      </p:grpSpPr>
+      <p:sp>
+        <p:nvSpPr>
+          <p:cNvPr id="2" name="Título 1">
+            <a:extLst>
+              <a:ext uri="{FF2B5EF4-FFF2-40B4-BE49-F238E27FC236}">
+                <a16:creationId xmlns:a16="http://schemas.microsoft.com/office/drawing/2014/main" id="{C0D4FF4B-079D-876D-7023-B12B79D3E655}"/>
+              </a:ext>
+            </a:extLst>
+          </p:cNvPr>
+          <p:cNvSpPr>
+            <a:spLocks noGrp="1"/>
+          </p:cNvSpPr>
+          <p:nvPr>
+            <p:ph type="title"/>
+          </p:nvPr>
+        </p:nvSpPr>
+        <p:spPr/>
+        <p:txBody>
+          <a:bodyPr/>
+          <a:lstStyle/>
+          <a:p>
+            <a:r>
+              <a:rPr lang="es-ES" dirty="0"/>
+              <a:t>CD</a:t>
+            </a:r>
+          </a:p>
+        </p:txBody>
+      </p:sp>
+      <p:pic>
+        <p:nvPicPr>
+          <p:cNvPr id="9" name="Marcador de contenido 8">
+            <a:extLst>
+              <a:ext uri="{FF2B5EF4-FFF2-40B4-BE49-F238E27FC236}">
+                <a16:creationId xmlns:a16="http://schemas.microsoft.com/office/drawing/2014/main" id="{ABCD7931-5A5D-6DEA-3F10-724B0489489C}"/>
+              </a:ext>
+            </a:extLst>
+          </p:cNvPr>
+          <p:cNvPicPr>
+            <a:picLocks noGrp="1" noChangeAspect="1"/>
+          </p:cNvPicPr>
+          <p:nvPr>
+            <p:ph idx="1"/>
+          </p:nvPr>
+        </p:nvPicPr>
+        <p:blipFill>
+          <a:blip r:embed="rId2"/>
+          <a:stretch>
+            <a:fillRect/>
+          </a:stretch>
+        </p:blipFill>
+        <p:spPr>
+          <a:xfrm>
+            <a:off x="2467659" y="3191774"/>
+            <a:ext cx="6300238" cy="3184912"/>
+          </a:xfrm>
+        </p:spPr>
+      </p:pic>
+      <p:sp>
+        <p:nvSpPr>
+          <p:cNvPr id="10" name="CuadroTexto 9">
+            <a:extLst>
+              <a:ext uri="{FF2B5EF4-FFF2-40B4-BE49-F238E27FC236}">
+                <a16:creationId xmlns:a16="http://schemas.microsoft.com/office/drawing/2014/main" id="{0BCC2CBE-70CD-603C-09DC-D550BB8CC815}"/>
+              </a:ext>
+            </a:extLst>
+          </p:cNvPr>
+          <p:cNvSpPr txBox="1"/>
+          <p:nvPr/>
+        </p:nvSpPr>
+        <p:spPr>
+          <a:xfrm>
+            <a:off x="374158" y="2018580"/>
+            <a:ext cx="9485834" cy="369332"/>
+          </a:xfrm>
+          <a:prstGeom prst="rect">
+            <a:avLst/>
+          </a:prstGeom>
+          <a:noFill/>
+        </p:spPr>
+        <p:txBody>
+          <a:bodyPr wrap="square" rtlCol="0">
+            <a:spAutoFit/>
+          </a:bodyPr>
+          <a:lstStyle/>
+          <a:p>
+            <a:r>
+              <a:rPr lang="es-ES" dirty="0"/>
+              <a:t>Primero se compila y se sube la imagen a Docker </a:t>
+            </a:r>
+            <a:r>
+              <a:rPr lang="es-ES" dirty="0" err="1"/>
+              <a:t>hub</a:t>
+            </a:r>
+            <a:endParaRPr lang="es-ES" dirty="0"/>
+          </a:p>
+        </p:txBody>
+      </p:sp>
+    </p:spTree>
+    <p:extLst>
+      <p:ext uri="{BB962C8B-B14F-4D97-AF65-F5344CB8AC3E}">
+        <p14:creationId xmlns:p14="http://schemas.microsoft.com/office/powerpoint/2010/main" val="4164825674"/>
+      </p:ext>
+    </p:extLst>
+  </p:cSld>
+  <p:clrMapOvr>
+    <a:masterClrMapping/>
+  </p:clrMapOvr>
+</p:sld>
+</file>
+
+<file path=ppt/slides/slide38.xml><?xml version="1.0" encoding="utf-8"?>
+<p:sld xmlns:a="http://schemas.openxmlformats.org/drawingml/2006/main" xmlns:r="http://schemas.openxmlformats.org/officeDocument/2006/relationships" xmlns:p="http://schemas.openxmlformats.org/presentationml/2006/main">
+  <p:cSld>
+    <p:spTree>
+      <p:nvGrpSpPr>
+        <p:cNvPr id="1" name=""/>
+        <p:cNvGrpSpPr/>
+        <p:nvPr/>
+      </p:nvGrpSpPr>
+      <p:grpSpPr>
+        <a:xfrm>
+          <a:off x="0" y="0"/>
+          <a:ext cx="0" cy="0"/>
+          <a:chOff x="0" y="0"/>
+          <a:chExt cx="0" cy="0"/>
+        </a:xfrm>
+      </p:grpSpPr>
+      <p:sp>
+        <p:nvSpPr>
+          <p:cNvPr id="2" name="Título 1">
+            <a:extLst>
+              <a:ext uri="{FF2B5EF4-FFF2-40B4-BE49-F238E27FC236}">
+                <a16:creationId xmlns:a16="http://schemas.microsoft.com/office/drawing/2014/main" id="{C0D4FF4B-079D-876D-7023-B12B79D3E655}"/>
+              </a:ext>
+            </a:extLst>
+          </p:cNvPr>
+          <p:cNvSpPr>
+            <a:spLocks noGrp="1"/>
+          </p:cNvSpPr>
+          <p:nvPr>
+            <p:ph type="title"/>
+          </p:nvPr>
+        </p:nvSpPr>
+        <p:spPr/>
+        <p:txBody>
+          <a:bodyPr/>
+          <a:lstStyle/>
+          <a:p>
+            <a:r>
+              <a:rPr lang="es-ES" dirty="0"/>
+              <a:t>CD</a:t>
+            </a:r>
           </a:p>
         </p:txBody>
       </p:sp>
@@ -7956,7 +8634,7 @@
 </p:sld>
 </file>
 
-<file path=ppt/slides/slide33.xml><?xml version="1.0" encoding="utf-8"?>
+<file path=ppt/slides/slide39.xml><?xml version="1.0" encoding="utf-8"?>
 <p:sld xmlns:a="http://schemas.openxmlformats.org/drawingml/2006/main" xmlns:r="http://schemas.openxmlformats.org/officeDocument/2006/relationships" xmlns:p="http://schemas.openxmlformats.org/presentationml/2006/main">
   <p:cSld>
     <p:bg>
@@ -9937,23 +10615,6 @@
 </file>
 
 <file path=customXml/item1.xml><?xml version="1.0" encoding="utf-8"?>
-<p:properties xmlns:p="http://schemas.microsoft.com/office/2006/metadata/properties" xmlns:xsi="http://www.w3.org/2001/XMLSchema-instance" xmlns:pc="http://schemas.microsoft.com/office/infopath/2007/PartnerControls">
-  <documentManagement>
-    <_activity xmlns="669941d9-8c40-494f-914b-e937a1d7a1f3" xsi:nil="true"/>
-  </documentManagement>
-</p:properties>
-</file>
-
-<file path=customXml/item2.xml><?xml version="1.0" encoding="utf-8"?>
-<?mso-contentType ?>
-<FormTemplates xmlns="http://schemas.microsoft.com/sharepoint/v3/contenttype/forms">
-  <Display>DocumentLibraryForm</Display>
-  <Edit>DocumentLibraryForm</Edit>
-  <New>DocumentLibraryForm</New>
-</FormTemplates>
-</file>
-
-<file path=customXml/item3.xml><?xml version="1.0" encoding="utf-8"?>
 <ct:contentTypeSchema xmlns:ct="http://schemas.microsoft.com/office/2006/metadata/contentType" xmlns:ma="http://schemas.microsoft.com/office/2006/metadata/properties/metaAttributes" ct:_="" ma:_="" ma:contentTypeName="Documento" ma:contentTypeID="0x01010018269F7D5DC8954DA04858F658EE68F4" ma:contentTypeVersion="9" ma:contentTypeDescription="Crear nuevo documento." ma:contentTypeScope="" ma:versionID="4233307990cb3217e9fe0af0931c338e">
   <xsd:schema xmlns:xsd="http://www.w3.org/2001/XMLSchema" xmlns:xs="http://www.w3.org/2001/XMLSchema" xmlns:p="http://schemas.microsoft.com/office/2006/metadata/properties" xmlns:ns3="669941d9-8c40-494f-914b-e937a1d7a1f3" xmlns:ns4="a3230ccd-d45a-4e3a-9e52-413f0e144af1" targetNamespace="http://schemas.microsoft.com/office/2006/metadata/properties" ma:root="true" ma:fieldsID="db81fbfb21eb799e2b606b6897bfd034" ns3:_="" ns4:_="">
     <xsd:import namespace="669941d9-8c40-494f-914b-e937a1d7a1f3"/>
@@ -10150,32 +10811,24 @@
 </ct:contentTypeSchema>
 </file>
 
-<file path=customXml/itemProps1.xml><?xml version="1.0" encoding="utf-8"?>
-<ds:datastoreItem xmlns:ds="http://schemas.openxmlformats.org/officeDocument/2006/customXml" ds:itemID="{2B163748-C438-44EA-8D86-43437C8578F5}">
-  <ds:schemaRefs>
-    <ds:schemaRef ds:uri="http://schemas.openxmlformats.org/package/2006/metadata/core-properties"/>
-    <ds:schemaRef ds:uri="a3230ccd-d45a-4e3a-9e52-413f0e144af1"/>
-    <ds:schemaRef ds:uri="http://schemas.microsoft.com/office/infopath/2007/PartnerControls"/>
-    <ds:schemaRef ds:uri="http://purl.org/dc/terms/"/>
-    <ds:schemaRef ds:uri="http://schemas.microsoft.com/office/2006/documentManagement/types"/>
-    <ds:schemaRef ds:uri="http://schemas.microsoft.com/office/2006/metadata/properties"/>
-    <ds:schemaRef ds:uri="http://purl.org/dc/elements/1.1/"/>
-    <ds:schemaRef ds:uri="669941d9-8c40-494f-914b-e937a1d7a1f3"/>
-    <ds:schemaRef ds:uri="http://www.w3.org/XML/1998/namespace"/>
-    <ds:schemaRef ds:uri="http://purl.org/dc/dcmitype/"/>
-  </ds:schemaRefs>
-</ds:datastoreItem>
+<file path=customXml/item2.xml><?xml version="1.0" encoding="utf-8"?>
+<?mso-contentType ?>
+<FormTemplates xmlns="http://schemas.microsoft.com/sharepoint/v3/contenttype/forms">
+  <Display>DocumentLibraryForm</Display>
+  <Edit>DocumentLibraryForm</Edit>
+  <New>DocumentLibraryForm</New>
+</FormTemplates>
 </file>
 
-<file path=customXml/itemProps2.xml><?xml version="1.0" encoding="utf-8"?>
-<ds:datastoreItem xmlns:ds="http://schemas.openxmlformats.org/officeDocument/2006/customXml" ds:itemID="{F5DAA923-7BD4-4FE1-8A59-44C02990512F}">
-  <ds:schemaRefs>
-    <ds:schemaRef ds:uri="http://schemas.microsoft.com/sharepoint/v3/contenttype/forms"/>
-  </ds:schemaRefs>
-</ds:datastoreItem>
+<file path=customXml/item3.xml><?xml version="1.0" encoding="utf-8"?>
+<p:properties xmlns:p="http://schemas.microsoft.com/office/2006/metadata/properties" xmlns:xsi="http://www.w3.org/2001/XMLSchema-instance" xmlns:pc="http://schemas.microsoft.com/office/infopath/2007/PartnerControls">
+  <documentManagement>
+    <_activity xmlns="669941d9-8c40-494f-914b-e937a1d7a1f3" xsi:nil="true"/>
+  </documentManagement>
+</p:properties>
 </file>
 
-<file path=customXml/itemProps3.xml><?xml version="1.0" encoding="utf-8"?>
+<file path=customXml/itemProps1.xml><?xml version="1.0" encoding="utf-8"?>
 <ds:datastoreItem xmlns:ds="http://schemas.openxmlformats.org/officeDocument/2006/customXml" ds:itemID="{01E6172F-AE9B-4D98-AB13-05657A5CF59A}">
   <ds:schemaRefs>
     <ds:schemaRef ds:uri="http://schemas.microsoft.com/office/2006/metadata/contentType"/>
@@ -10192,4 +10845,29 @@
     <ds:schemaRef ds:uri="http://schemas.microsoft.com/internal/obd"/>
   </ds:schemaRefs>
 </ds:datastoreItem>
+</file>
+
+<file path=customXml/itemProps2.xml><?xml version="1.0" encoding="utf-8"?>
+<ds:datastoreItem xmlns:ds="http://schemas.openxmlformats.org/officeDocument/2006/customXml" ds:itemID="{F5DAA923-7BD4-4FE1-8A59-44C02990512F}">
+  <ds:schemaRefs>
+    <ds:schemaRef ds:uri="http://schemas.microsoft.com/sharepoint/v3/contenttype/forms"/>
+  </ds:schemaRefs>
+</ds:datastoreItem>
+</file>
+
+<file path=customXml/itemProps3.xml><?xml version="1.0" encoding="utf-8"?>
+<ds:datastoreItem xmlns:ds="http://schemas.openxmlformats.org/officeDocument/2006/customXml" ds:itemID="{2B163748-C438-44EA-8D86-43437C8578F5}">
+  <ds:schemaRefs>
+    <ds:schemaRef ds:uri="http://schemas.openxmlformats.org/package/2006/metadata/core-properties"/>
+    <ds:schemaRef ds:uri="http://purl.org/dc/dcmitype/"/>
+    <ds:schemaRef ds:uri="http://schemas.microsoft.com/office/2006/metadata/properties"/>
+    <ds:schemaRef ds:uri="http://schemas.microsoft.com/office/2006/documentManagement/types"/>
+    <ds:schemaRef ds:uri="http://www.w3.org/XML/1998/namespace"/>
+    <ds:schemaRef ds:uri="http://purl.org/dc/elements/1.1/"/>
+    <ds:schemaRef ds:uri="http://schemas.microsoft.com/office/infopath/2007/PartnerControls"/>
+    <ds:schemaRef ds:uri="a3230ccd-d45a-4e3a-9e52-413f0e144af1"/>
+    <ds:schemaRef ds:uri="669941d9-8c40-494f-914b-e937a1d7a1f3"/>
+    <ds:schemaRef ds:uri="http://purl.org/dc/terms/"/>
+  </ds:schemaRefs>
+</ds:datastoreItem>
 </file>
--- a/docs/Presentacion TFG.pptx
+++ b/docs/Presentacion TFG.pptx
@@ -5,10 +5,10 @@
     <p:sldMasterId id="2147483672" r:id="rId4"/>
   </p:sldMasterIdLst>
   <p:notesMasterIdLst>
-    <p:notesMasterId r:id="rId44"/>
+    <p:notesMasterId r:id="rId49"/>
   </p:notesMasterIdLst>
   <p:handoutMasterIdLst>
-    <p:handoutMasterId r:id="rId45"/>
+    <p:handoutMasterId r:id="rId50"/>
   </p:handoutMasterIdLst>
   <p:sldIdLst>
     <p:sldId id="256" r:id="rId5"/>
@@ -36,20 +36,25 @@
     <p:sldId id="293" r:id="rId27"/>
     <p:sldId id="286" r:id="rId28"/>
     <p:sldId id="280" r:id="rId29"/>
-    <p:sldId id="287" r:id="rId30"/>
-    <p:sldId id="281" r:id="rId31"/>
-    <p:sldId id="288" r:id="rId32"/>
-    <p:sldId id="282" r:id="rId33"/>
-    <p:sldId id="283" r:id="rId34"/>
-    <p:sldId id="291" r:id="rId35"/>
-    <p:sldId id="294" r:id="rId36"/>
-    <p:sldId id="292" r:id="rId37"/>
-    <p:sldId id="295" r:id="rId38"/>
-    <p:sldId id="297" r:id="rId39"/>
-    <p:sldId id="296" r:id="rId40"/>
-    <p:sldId id="289" r:id="rId41"/>
-    <p:sldId id="290" r:id="rId42"/>
-    <p:sldId id="260" r:id="rId43"/>
+    <p:sldId id="302" r:id="rId30"/>
+    <p:sldId id="298" r:id="rId31"/>
+    <p:sldId id="287" r:id="rId32"/>
+    <p:sldId id="281" r:id="rId33"/>
+    <p:sldId id="288" r:id="rId34"/>
+    <p:sldId id="282" r:id="rId35"/>
+    <p:sldId id="299" r:id="rId36"/>
+    <p:sldId id="283" r:id="rId37"/>
+    <p:sldId id="300" r:id="rId38"/>
+    <p:sldId id="301" r:id="rId39"/>
+    <p:sldId id="291" r:id="rId40"/>
+    <p:sldId id="294" r:id="rId41"/>
+    <p:sldId id="292" r:id="rId42"/>
+    <p:sldId id="295" r:id="rId43"/>
+    <p:sldId id="297" r:id="rId44"/>
+    <p:sldId id="296" r:id="rId45"/>
+    <p:sldId id="289" r:id="rId46"/>
+    <p:sldId id="290" r:id="rId47"/>
+    <p:sldId id="260" r:id="rId48"/>
   </p:sldIdLst>
   <p:sldSz cx="12192000" cy="6858000"/>
   <p:notesSz cx="6858000" cy="9144000"/>
@@ -861,7 +866,7 @@
             <a:pPr rtl="0"/>
             <a:fld id="{C6B3AB32-59DF-41F1-9618-EDFBF5049629}" type="slidenum">
               <a:rPr lang="es-ES" smtClean="0"/>
-              <a:t>39</a:t>
+              <a:t>44</a:t>
             </a:fld>
             <a:endParaRPr lang="es-ES"/>
           </a:p>
@@ -7067,7 +7072,7 @@
           <p:cNvPr id="2" name="Título 1">
             <a:extLst>
               <a:ext uri="{FF2B5EF4-FFF2-40B4-BE49-F238E27FC236}">
-                <a16:creationId xmlns:a16="http://schemas.microsoft.com/office/drawing/2014/main" id="{77D09546-7C82-9EF3-84F7-35236CD05B4F}"/>
+                <a16:creationId xmlns:a16="http://schemas.microsoft.com/office/drawing/2014/main" id="{07850C94-9195-25FB-D441-8299025992A0}"/>
               </a:ext>
             </a:extLst>
           </p:cNvPr>
@@ -7084,27 +7089,61 @@
           <a:lstStyle/>
           <a:p>
             <a:r>
+              <a:rPr lang="es-ES" dirty="0" err="1"/>
+              <a:t>Jwt</a:t>
+            </a:r>
+            <a:endParaRPr lang="es-ES" dirty="0"/>
+          </a:p>
+        </p:txBody>
+      </p:sp>
+      <p:sp>
+        <p:nvSpPr>
+          <p:cNvPr id="3" name="Marcador de contenido 2">
+            <a:extLst>
+              <a:ext uri="{FF2B5EF4-FFF2-40B4-BE49-F238E27FC236}">
+                <a16:creationId xmlns:a16="http://schemas.microsoft.com/office/drawing/2014/main" id="{65CABD64-09BA-E95D-0FDA-CDB250782AB8}"/>
+              </a:ext>
+            </a:extLst>
+          </p:cNvPr>
+          <p:cNvSpPr>
+            <a:spLocks noGrp="1"/>
+          </p:cNvSpPr>
+          <p:nvPr>
+            <p:ph idx="1"/>
+          </p:nvPr>
+        </p:nvSpPr>
+        <p:spPr/>
+        <p:txBody>
+          <a:bodyPr/>
+          <a:lstStyle/>
+          <a:p>
+            <a:r>
               <a:rPr lang="es-ES" dirty="0"/>
-              <a:t>Front</a:t>
-            </a:r>
+              <a:t>“JSON Web Token (JWT) </a:t>
+            </a:r>
+            <a:r>
+              <a:rPr lang="es-ES" b="1" dirty="0"/>
+              <a:t>es un estándar para transmitir información de forma segura en internet, por medio de archivos en formato JSON”</a:t>
+            </a:r>
+          </a:p>
+          <a:p>
+            <a:endParaRPr lang="es-ES" dirty="0"/>
           </a:p>
         </p:txBody>
       </p:sp>
       <p:pic>
         <p:nvPicPr>
-          <p:cNvPr id="5" name="Marcador de contenido 4">
-            <a:extLst>
-              <a:ext uri="{FF2B5EF4-FFF2-40B4-BE49-F238E27FC236}">
-                <a16:creationId xmlns:a16="http://schemas.microsoft.com/office/drawing/2014/main" id="{C5E9273F-35D5-65CF-1FBE-22579FE46257}"/>
+          <p:cNvPr id="5" name="Imagen 4">
+            <a:extLst>
+              <a:ext uri="{FF2B5EF4-FFF2-40B4-BE49-F238E27FC236}">
+                <a16:creationId xmlns:a16="http://schemas.microsoft.com/office/drawing/2014/main" id="{7BCCFF61-6E97-22E6-6548-BA8C97587AD8}"/>
               </a:ext>
             </a:extLst>
           </p:cNvPr>
           <p:cNvPicPr>
-            <a:picLocks noGrp="1" noChangeAspect="1"/>
+            <a:picLocks noChangeAspect="1"/>
           </p:cNvPicPr>
-          <p:nvPr>
-            <p:ph idx="1"/>
-          </p:nvPr>
+          <p:nvPr/>
         </p:nvPicPr>
         <p:blipFill>
           <a:blip r:embed="rId2"/>
@@ -7114,15 +7153,18 @@
         </p:blipFill>
         <p:spPr>
           <a:xfrm>
-            <a:off x="3808149" y="2198478"/>
-            <a:ext cx="3885590" cy="3678238"/>
-          </a:xfrm>
+            <a:off x="3553742" y="4229797"/>
+            <a:ext cx="4877481" cy="1629002"/>
+          </a:xfrm>
+          <a:prstGeom prst="rect">
+            <a:avLst/>
+          </a:prstGeom>
         </p:spPr>
       </p:pic>
     </p:spTree>
     <p:extLst>
       <p:ext uri="{BB962C8B-B14F-4D97-AF65-F5344CB8AC3E}">
-        <p14:creationId xmlns:p14="http://schemas.microsoft.com/office/powerpoint/2010/main" val="4030660633"/>
+        <p14:creationId xmlns:p14="http://schemas.microsoft.com/office/powerpoint/2010/main" val="229856539"/>
       </p:ext>
     </p:extLst>
   </p:cSld>
@@ -7154,7 +7196,7 @@
           <p:cNvPr id="2" name="Título 1">
             <a:extLst>
               <a:ext uri="{FF2B5EF4-FFF2-40B4-BE49-F238E27FC236}">
-                <a16:creationId xmlns:a16="http://schemas.microsoft.com/office/drawing/2014/main" id="{83B66DEF-D623-A4A8-5CA4-BDD11D3E227A}"/>
+                <a16:creationId xmlns:a16="http://schemas.microsoft.com/office/drawing/2014/main" id="{163AA702-5A6E-3F88-2D26-5D233C554BDD}"/>
               </a:ext>
             </a:extLst>
           </p:cNvPr>
@@ -7171,56 +7213,46 @@
           <a:lstStyle/>
           <a:p>
             <a:r>
-              <a:rPr lang="es-ES" dirty="0"/>
-              <a:t>Resetear contraseña</a:t>
-            </a:r>
-          </a:p>
-        </p:txBody>
-      </p:sp>
-      <p:sp>
-        <p:nvSpPr>
-          <p:cNvPr id="3" name="Marcador de contenido 2">
-            <a:extLst>
-              <a:ext uri="{FF2B5EF4-FFF2-40B4-BE49-F238E27FC236}">
-                <a16:creationId xmlns:a16="http://schemas.microsoft.com/office/drawing/2014/main" id="{FB9A87CE-08AB-4E26-7C8D-5781A6D734CD}"/>
-              </a:ext>
-            </a:extLst>
-          </p:cNvPr>
-          <p:cNvSpPr>
-            <a:spLocks noGrp="1"/>
-          </p:cNvSpPr>
+              <a:rPr lang="es-ES" dirty="0" err="1"/>
+              <a:t>Login</a:t>
+            </a:r>
+            <a:endParaRPr lang="es-ES" dirty="0"/>
+          </a:p>
+        </p:txBody>
+      </p:sp>
+      <p:pic>
+        <p:nvPicPr>
+          <p:cNvPr id="5" name="Marcador de contenido 4">
+            <a:extLst>
+              <a:ext uri="{FF2B5EF4-FFF2-40B4-BE49-F238E27FC236}">
+                <a16:creationId xmlns:a16="http://schemas.microsoft.com/office/drawing/2014/main" id="{DA6C43F1-200D-764F-BF03-2F1CA2B7CD3D}"/>
+              </a:ext>
+            </a:extLst>
+          </p:cNvPr>
+          <p:cNvPicPr>
+            <a:picLocks noGrp="1" noChangeAspect="1"/>
+          </p:cNvPicPr>
           <p:nvPr>
             <p:ph idx="1"/>
           </p:nvPr>
-        </p:nvSpPr>
-        <p:spPr/>
-        <p:txBody>
-          <a:bodyPr/>
-          <a:lstStyle/>
-          <a:p>
-            <a:r>
-              <a:rPr lang="es-ES" dirty="0"/>
-              <a:t>Introducen los datos</a:t>
-            </a:r>
-          </a:p>
-          <a:p>
-            <a:r>
-              <a:rPr lang="es-ES" dirty="0"/>
-              <a:t>Se envía un correo con el link para resetear la contraseña</a:t>
-            </a:r>
-          </a:p>
-          <a:p>
-            <a:r>
-              <a:rPr lang="es-ES" dirty="0"/>
-              <a:t>Se resetea la contraseña</a:t>
-            </a:r>
-          </a:p>
-        </p:txBody>
-      </p:sp>
+        </p:nvPicPr>
+        <p:blipFill>
+          <a:blip r:embed="rId2"/>
+          <a:stretch>
+            <a:fillRect/>
+          </a:stretch>
+        </p:blipFill>
+        <p:spPr>
+          <a:xfrm>
+            <a:off x="2311879" y="2545227"/>
+            <a:ext cx="6994112" cy="2525095"/>
+          </a:xfrm>
+        </p:spPr>
+      </p:pic>
     </p:spTree>
     <p:extLst>
       <p:ext uri="{BB962C8B-B14F-4D97-AF65-F5344CB8AC3E}">
-        <p14:creationId xmlns:p14="http://schemas.microsoft.com/office/powerpoint/2010/main" val="3398961286"/>
+        <p14:creationId xmlns:p14="http://schemas.microsoft.com/office/powerpoint/2010/main" val="3051427902"/>
       </p:ext>
     </p:extLst>
   </p:cSld>
@@ -7252,7 +7284,7 @@
           <p:cNvPr id="2" name="Título 1">
             <a:extLst>
               <a:ext uri="{FF2B5EF4-FFF2-40B4-BE49-F238E27FC236}">
-                <a16:creationId xmlns:a16="http://schemas.microsoft.com/office/drawing/2014/main" id="{0E58418D-6403-8FA5-C5C2-50D9C52DFCB9}"/>
+                <a16:creationId xmlns:a16="http://schemas.microsoft.com/office/drawing/2014/main" id="{77D09546-7C82-9EF3-84F7-35236CD05B4F}"/>
               </a:ext>
             </a:extLst>
           </p:cNvPr>
@@ -7280,7 +7312,7 @@
           <p:cNvPr id="5" name="Marcador de contenido 4">
             <a:extLst>
               <a:ext uri="{FF2B5EF4-FFF2-40B4-BE49-F238E27FC236}">
-                <a16:creationId xmlns:a16="http://schemas.microsoft.com/office/drawing/2014/main" id="{3BD28484-3BA2-05E3-5356-9E50A9CD3928}"/>
+                <a16:creationId xmlns:a16="http://schemas.microsoft.com/office/drawing/2014/main" id="{C5E9273F-35D5-65CF-1FBE-22579FE46257}"/>
               </a:ext>
             </a:extLst>
           </p:cNvPr>
@@ -7299,75 +7331,15 @@
         </p:blipFill>
         <p:spPr>
           <a:xfrm>
-            <a:off x="1550558" y="1893456"/>
-            <a:ext cx="2609971" cy="2654315"/>
-          </a:xfrm>
-        </p:spPr>
-      </p:pic>
-      <p:pic>
-        <p:nvPicPr>
-          <p:cNvPr id="7" name="Imagen 6">
-            <a:extLst>
-              <a:ext uri="{FF2B5EF4-FFF2-40B4-BE49-F238E27FC236}">
-                <a16:creationId xmlns:a16="http://schemas.microsoft.com/office/drawing/2014/main" id="{928AA6FA-D68B-73A6-BE2D-70E9E98A272C}"/>
-              </a:ext>
-            </a:extLst>
-          </p:cNvPr>
-          <p:cNvPicPr>
-            <a:picLocks noChangeAspect="1"/>
-          </p:cNvPicPr>
-          <p:nvPr/>
-        </p:nvPicPr>
-        <p:blipFill>
-          <a:blip r:embed="rId3"/>
-          <a:stretch>
-            <a:fillRect/>
-          </a:stretch>
-        </p:blipFill>
-        <p:spPr>
-          <a:xfrm>
-            <a:off x="388792" y="4547771"/>
-            <a:ext cx="11222016" cy="1686160"/>
-          </a:xfrm>
-          <a:prstGeom prst="rect">
-            <a:avLst/>
-          </a:prstGeom>
-        </p:spPr>
-      </p:pic>
-      <p:pic>
-        <p:nvPicPr>
-          <p:cNvPr id="11" name="Imagen 10">
-            <a:extLst>
-              <a:ext uri="{FF2B5EF4-FFF2-40B4-BE49-F238E27FC236}">
-                <a16:creationId xmlns:a16="http://schemas.microsoft.com/office/drawing/2014/main" id="{3D7917F5-5C16-DA0A-2ACA-8C242532724F}"/>
-              </a:ext>
-            </a:extLst>
-          </p:cNvPr>
-          <p:cNvPicPr>
-            <a:picLocks noChangeAspect="1"/>
-          </p:cNvPicPr>
-          <p:nvPr/>
-        </p:nvPicPr>
-        <p:blipFill>
-          <a:blip r:embed="rId4"/>
-          <a:stretch>
-            <a:fillRect/>
-          </a:stretch>
-        </p:blipFill>
-        <p:spPr>
-          <a:xfrm>
-            <a:off x="6096000" y="1893456"/>
-            <a:ext cx="2504536" cy="2164113"/>
-          </a:xfrm>
-          <a:prstGeom prst="rect">
-            <a:avLst/>
-          </a:prstGeom>
+            <a:off x="3808149" y="2198478"/>
+            <a:ext cx="3885590" cy="3678238"/>
+          </a:xfrm>
         </p:spPr>
       </p:pic>
     </p:spTree>
     <p:extLst>
       <p:ext uri="{BB962C8B-B14F-4D97-AF65-F5344CB8AC3E}">
-        <p14:creationId xmlns:p14="http://schemas.microsoft.com/office/powerpoint/2010/main" val="1610030668"/>
+        <p14:creationId xmlns:p14="http://schemas.microsoft.com/office/powerpoint/2010/main" val="4030660633"/>
       </p:ext>
     </p:extLst>
   </p:cSld>
@@ -7399,7 +7371,7 @@
           <p:cNvPr id="2" name="Título 1">
             <a:extLst>
               <a:ext uri="{FF2B5EF4-FFF2-40B4-BE49-F238E27FC236}">
-                <a16:creationId xmlns:a16="http://schemas.microsoft.com/office/drawing/2014/main" id="{5A040E7D-FA0B-B0FE-1E88-39D49ADAA22F}"/>
+                <a16:creationId xmlns:a16="http://schemas.microsoft.com/office/drawing/2014/main" id="{83B66DEF-D623-A4A8-5CA4-BDD11D3E227A}"/>
               </a:ext>
             </a:extLst>
           </p:cNvPr>
@@ -7417,7 +7389,7 @@
           <a:p>
             <a:r>
               <a:rPr lang="es-ES" dirty="0"/>
-              <a:t>Favoritos</a:t>
+              <a:t>Resetear contraseña</a:t>
             </a:r>
           </a:p>
         </p:txBody>
@@ -7427,7 +7399,7 @@
           <p:cNvPr id="3" name="Marcador de contenido 2">
             <a:extLst>
               <a:ext uri="{FF2B5EF4-FFF2-40B4-BE49-F238E27FC236}">
-                <a16:creationId xmlns:a16="http://schemas.microsoft.com/office/drawing/2014/main" id="{49D9DEDC-3BD7-595F-48B7-029674C2122B}"/>
+                <a16:creationId xmlns:a16="http://schemas.microsoft.com/office/drawing/2014/main" id="{FB9A87CE-08AB-4E26-7C8D-5781A6D734CD}"/>
               </a:ext>
             </a:extLst>
           </p:cNvPr>
@@ -7445,19 +7417,19 @@
           <a:p>
             <a:r>
               <a:rPr lang="es-ES" dirty="0"/>
-              <a:t>Guardar</a:t>
+              <a:t>Introducen los datos</a:t>
             </a:r>
           </a:p>
           <a:p>
             <a:r>
               <a:rPr lang="es-ES" dirty="0"/>
-              <a:t>Leer</a:t>
+              <a:t>Se envía un correo con el link para resetear la contraseña</a:t>
             </a:r>
           </a:p>
           <a:p>
             <a:r>
               <a:rPr lang="es-ES" dirty="0"/>
-              <a:t>Borrar</a:t>
+              <a:t>Se resetea la contraseña</a:t>
             </a:r>
           </a:p>
         </p:txBody>
@@ -7465,7 +7437,7 @@
     </p:spTree>
     <p:extLst>
       <p:ext uri="{BB962C8B-B14F-4D97-AF65-F5344CB8AC3E}">
-        <p14:creationId xmlns:p14="http://schemas.microsoft.com/office/powerpoint/2010/main" val="1780481175"/>
+        <p14:creationId xmlns:p14="http://schemas.microsoft.com/office/powerpoint/2010/main" val="3398961286"/>
       </p:ext>
     </p:extLst>
   </p:cSld>
@@ -7635,7 +7607,7 @@
           <p:cNvPr id="2" name="Título 1">
             <a:extLst>
               <a:ext uri="{FF2B5EF4-FFF2-40B4-BE49-F238E27FC236}">
-                <a16:creationId xmlns:a16="http://schemas.microsoft.com/office/drawing/2014/main" id="{421D6238-BF15-5C7A-8961-D0B4772B9E3D}"/>
+                <a16:creationId xmlns:a16="http://schemas.microsoft.com/office/drawing/2014/main" id="{0E58418D-6403-8FA5-C5C2-50D9C52DFCB9}"/>
               </a:ext>
             </a:extLst>
           </p:cNvPr>
@@ -7663,7 +7635,7 @@
           <p:cNvPr id="5" name="Marcador de contenido 4">
             <a:extLst>
               <a:ext uri="{FF2B5EF4-FFF2-40B4-BE49-F238E27FC236}">
-                <a16:creationId xmlns:a16="http://schemas.microsoft.com/office/drawing/2014/main" id="{F14DC577-ABA3-3CF5-1537-7ADD2A516212}"/>
+                <a16:creationId xmlns:a16="http://schemas.microsoft.com/office/drawing/2014/main" id="{3BD28484-3BA2-05E3-5356-9E50A9CD3928}"/>
               </a:ext>
             </a:extLst>
           </p:cNvPr>
@@ -7682,8 +7654,8 @@
         </p:blipFill>
         <p:spPr>
           <a:xfrm>
-            <a:off x="1992128" y="2054771"/>
-            <a:ext cx="1772437" cy="3678238"/>
+            <a:off x="1550558" y="1893456"/>
+            <a:ext cx="2609971" cy="2654315"/>
           </a:xfrm>
         </p:spPr>
       </p:pic>
@@ -7692,7 +7664,7 @@
           <p:cNvPr id="7" name="Imagen 6">
             <a:extLst>
               <a:ext uri="{FF2B5EF4-FFF2-40B4-BE49-F238E27FC236}">
-                <a16:creationId xmlns:a16="http://schemas.microsoft.com/office/drawing/2014/main" id="{9A70EA01-CCB7-4E3E-2F7E-68FC7E53DFDD}"/>
+                <a16:creationId xmlns:a16="http://schemas.microsoft.com/office/drawing/2014/main" id="{928AA6FA-D68B-73A6-BE2D-70E9E98A272C}"/>
               </a:ext>
             </a:extLst>
           </p:cNvPr>
@@ -7709,8 +7681,8 @@
         </p:blipFill>
         <p:spPr>
           <a:xfrm>
-            <a:off x="7064460" y="1935680"/>
-            <a:ext cx="3953427" cy="4220164"/>
+            <a:off x="388792" y="4547771"/>
+            <a:ext cx="11222016" cy="1686160"/>
           </a:xfrm>
           <a:prstGeom prst="rect">
             <a:avLst/>
@@ -7719,10 +7691,10 @@
       </p:pic>
       <p:pic>
         <p:nvPicPr>
-          <p:cNvPr id="9" name="Imagen 8">
-            <a:extLst>
-              <a:ext uri="{FF2B5EF4-FFF2-40B4-BE49-F238E27FC236}">
-                <a16:creationId xmlns:a16="http://schemas.microsoft.com/office/drawing/2014/main" id="{3A00B1D3-DEE1-1D58-0092-B61BDF493B48}"/>
+          <p:cNvPr id="11" name="Imagen 10">
+            <a:extLst>
+              <a:ext uri="{FF2B5EF4-FFF2-40B4-BE49-F238E27FC236}">
+                <a16:creationId xmlns:a16="http://schemas.microsoft.com/office/drawing/2014/main" id="{3D7917F5-5C16-DA0A-2ACA-8C242532724F}"/>
               </a:ext>
             </a:extLst>
           </p:cNvPr>
@@ -7739,8 +7711,8 @@
         </p:blipFill>
         <p:spPr>
           <a:xfrm>
-            <a:off x="4077857" y="2054771"/>
-            <a:ext cx="2673311" cy="3895582"/>
+            <a:off x="6096000" y="1893456"/>
+            <a:ext cx="2504536" cy="2164113"/>
           </a:xfrm>
           <a:prstGeom prst="rect">
             <a:avLst/>
@@ -7750,7 +7722,7 @@
     </p:spTree>
     <p:extLst>
       <p:ext uri="{BB962C8B-B14F-4D97-AF65-F5344CB8AC3E}">
-        <p14:creationId xmlns:p14="http://schemas.microsoft.com/office/powerpoint/2010/main" val="230369753"/>
+        <p14:creationId xmlns:p14="http://schemas.microsoft.com/office/powerpoint/2010/main" val="1610030668"/>
       </p:ext>
     </p:extLst>
   </p:cSld>
@@ -7782,7 +7754,7 @@
           <p:cNvPr id="2" name="Título 1">
             <a:extLst>
               <a:ext uri="{FF2B5EF4-FFF2-40B4-BE49-F238E27FC236}">
-                <a16:creationId xmlns:a16="http://schemas.microsoft.com/office/drawing/2014/main" id="{6ECE8F4F-5852-7705-2E1C-B730FE62AC0D}"/>
+                <a16:creationId xmlns:a16="http://schemas.microsoft.com/office/drawing/2014/main" id="{5A040E7D-FA0B-B0FE-1E88-39D49ADAA22F}"/>
               </a:ext>
             </a:extLst>
           </p:cNvPr>
@@ -7799,47 +7771,56 @@
           <a:lstStyle/>
           <a:p>
             <a:r>
-              <a:rPr lang="es-ES" dirty="0" err="1"/>
-              <a:t>Tests</a:t>
-            </a:r>
-            <a:endParaRPr lang="es-ES" dirty="0"/>
-          </a:p>
-        </p:txBody>
-      </p:sp>
-      <p:pic>
-        <p:nvPicPr>
-          <p:cNvPr id="4" name="Imagen 3" descr="Interfaz de usuario gráfica&#10;&#10;Descripción generada automáticamente">
-            <a:extLst>
-              <a:ext uri="{FF2B5EF4-FFF2-40B4-BE49-F238E27FC236}">
-                <a16:creationId xmlns:a16="http://schemas.microsoft.com/office/drawing/2014/main" id="{40768248-41C0-1AD4-246E-E70708739132}"/>
-              </a:ext>
-            </a:extLst>
-          </p:cNvPr>
-          <p:cNvPicPr>
-            <a:picLocks noChangeAspect="1"/>
-          </p:cNvPicPr>
-          <p:nvPr/>
-        </p:nvPicPr>
-        <p:blipFill>
-          <a:blip r:embed="rId2"/>
-          <a:stretch>
-            <a:fillRect/>
-          </a:stretch>
-        </p:blipFill>
-        <p:spPr>
-          <a:xfrm>
-            <a:off x="1052422" y="2913431"/>
-            <a:ext cx="10087155" cy="1862799"/>
-          </a:xfrm>
-          <a:prstGeom prst="rect">
-            <a:avLst/>
-          </a:prstGeom>
-        </p:spPr>
-      </p:pic>
+              <a:rPr lang="es-ES" dirty="0"/>
+              <a:t>Paradas Favoritas</a:t>
+            </a:r>
+          </a:p>
+        </p:txBody>
+      </p:sp>
+      <p:sp>
+        <p:nvSpPr>
+          <p:cNvPr id="3" name="Marcador de contenido 2">
+            <a:extLst>
+              <a:ext uri="{FF2B5EF4-FFF2-40B4-BE49-F238E27FC236}">
+                <a16:creationId xmlns:a16="http://schemas.microsoft.com/office/drawing/2014/main" id="{49D9DEDC-3BD7-595F-48B7-029674C2122B}"/>
+              </a:ext>
+            </a:extLst>
+          </p:cNvPr>
+          <p:cNvSpPr>
+            <a:spLocks noGrp="1"/>
+          </p:cNvSpPr>
+          <p:nvPr>
+            <p:ph idx="1"/>
+          </p:nvPr>
+        </p:nvSpPr>
+        <p:spPr/>
+        <p:txBody>
+          <a:bodyPr/>
+          <a:lstStyle/>
+          <a:p>
+            <a:r>
+              <a:rPr lang="es-ES" dirty="0"/>
+              <a:t>Guardar</a:t>
+            </a:r>
+          </a:p>
+          <a:p>
+            <a:r>
+              <a:rPr lang="es-ES" dirty="0"/>
+              <a:t>Leer</a:t>
+            </a:r>
+          </a:p>
+          <a:p>
+            <a:r>
+              <a:rPr lang="es-ES" dirty="0"/>
+              <a:t>Borrar</a:t>
+            </a:r>
+          </a:p>
+        </p:txBody>
+      </p:sp>
     </p:spTree>
     <p:extLst>
       <p:ext uri="{BB962C8B-B14F-4D97-AF65-F5344CB8AC3E}">
-        <p14:creationId xmlns:p14="http://schemas.microsoft.com/office/powerpoint/2010/main" val="2680079213"/>
+        <p14:creationId xmlns:p14="http://schemas.microsoft.com/office/powerpoint/2010/main" val="1780481175"/>
       </p:ext>
     </p:extLst>
   </p:cSld>
@@ -7871,7 +7852,7 @@
           <p:cNvPr id="2" name="Título 1">
             <a:extLst>
               <a:ext uri="{FF2B5EF4-FFF2-40B4-BE49-F238E27FC236}">
-                <a16:creationId xmlns:a16="http://schemas.microsoft.com/office/drawing/2014/main" id="{AF7CDA27-ED0C-7799-1F7D-EFCC811AE8C1}"/>
+                <a16:creationId xmlns:a16="http://schemas.microsoft.com/office/drawing/2014/main" id="{BBB9D965-E488-C91D-DA73-FD79659E0494}"/>
               </a:ext>
             </a:extLst>
           </p:cNvPr>
@@ -7889,7 +7870,7 @@
           <a:p>
             <a:r>
               <a:rPr lang="es-ES" dirty="0"/>
-              <a:t>CI</a:t>
+              <a:t>Paradas favoritas</a:t>
             </a:r>
           </a:p>
         </p:txBody>
@@ -7899,7 +7880,7 @@
           <p:cNvPr id="5" name="Marcador de contenido 4">
             <a:extLst>
               <a:ext uri="{FF2B5EF4-FFF2-40B4-BE49-F238E27FC236}">
-                <a16:creationId xmlns:a16="http://schemas.microsoft.com/office/drawing/2014/main" id="{F31F398D-2CAF-5B50-3CD8-61B6BBECE2EE}"/>
+                <a16:creationId xmlns:a16="http://schemas.microsoft.com/office/drawing/2014/main" id="{DD9E31F4-1940-F6FF-D493-DEB98646268D}"/>
               </a:ext>
             </a:extLst>
           </p:cNvPr>
@@ -7918,50 +7899,15 @@
         </p:blipFill>
         <p:spPr>
           <a:xfrm>
-            <a:off x="4623760" y="2163761"/>
-            <a:ext cx="5676764" cy="3825098"/>
+            <a:off x="2231239" y="2181225"/>
+            <a:ext cx="7729522" cy="3678238"/>
           </a:xfrm>
         </p:spPr>
       </p:pic>
-      <p:sp>
-        <p:nvSpPr>
-          <p:cNvPr id="6" name="CuadroTexto 5">
-            <a:extLst>
-              <a:ext uri="{FF2B5EF4-FFF2-40B4-BE49-F238E27FC236}">
-                <a16:creationId xmlns:a16="http://schemas.microsoft.com/office/drawing/2014/main" id="{BB58FE08-122F-A097-5593-A35AFA6C4A7E}"/>
-              </a:ext>
-            </a:extLst>
-          </p:cNvPr>
-          <p:cNvSpPr txBox="1"/>
-          <p:nvPr/>
-        </p:nvSpPr>
-        <p:spPr>
-          <a:xfrm>
-            <a:off x="581193" y="2163761"/>
-            <a:ext cx="3801026" cy="369332"/>
-          </a:xfrm>
-          <a:prstGeom prst="rect">
-            <a:avLst/>
-          </a:prstGeom>
-          <a:noFill/>
-        </p:spPr>
-        <p:txBody>
-          <a:bodyPr wrap="square" rtlCol="0">
-            <a:spAutoFit/>
-          </a:bodyPr>
-          <a:lstStyle/>
-          <a:p>
-            <a:r>
-              <a:rPr lang="es-ES" dirty="0"/>
-              <a:t>Configurar variables de entorno</a:t>
-            </a:r>
-          </a:p>
-        </p:txBody>
-      </p:sp>
     </p:spTree>
     <p:extLst>
       <p:ext uri="{BB962C8B-B14F-4D97-AF65-F5344CB8AC3E}">
-        <p14:creationId xmlns:p14="http://schemas.microsoft.com/office/powerpoint/2010/main" val="3414880789"/>
+        <p14:creationId xmlns:p14="http://schemas.microsoft.com/office/powerpoint/2010/main" val="2492006872"/>
       </p:ext>
     </p:extLst>
   </p:cSld>
@@ -7993,7 +7939,7 @@
           <p:cNvPr id="2" name="Título 1">
             <a:extLst>
               <a:ext uri="{FF2B5EF4-FFF2-40B4-BE49-F238E27FC236}">
-                <a16:creationId xmlns:a16="http://schemas.microsoft.com/office/drawing/2014/main" id="{DC40F6B0-4E95-7382-F265-677E2417FA09}"/>
+                <a16:creationId xmlns:a16="http://schemas.microsoft.com/office/drawing/2014/main" id="{421D6238-BF15-5C7A-8961-D0B4772B9E3D}"/>
               </a:ext>
             </a:extLst>
           </p:cNvPr>
@@ -8011,7 +7957,7 @@
           <a:p>
             <a:r>
               <a:rPr lang="es-ES" dirty="0"/>
-              <a:t>CI</a:t>
+              <a:t>Front</a:t>
             </a:r>
           </a:p>
         </p:txBody>
@@ -8021,7 +7967,7 @@
           <p:cNvPr id="5" name="Marcador de contenido 4">
             <a:extLst>
               <a:ext uri="{FF2B5EF4-FFF2-40B4-BE49-F238E27FC236}">
-                <a16:creationId xmlns:a16="http://schemas.microsoft.com/office/drawing/2014/main" id="{76EBDAD6-0E63-4BA6-B20B-3DF5330642B8}"/>
+                <a16:creationId xmlns:a16="http://schemas.microsoft.com/office/drawing/2014/main" id="{F14DC577-ABA3-3CF5-1537-7ADD2A516212}"/>
               </a:ext>
             </a:extLst>
           </p:cNvPr>
@@ -8040,15 +7986,75 @@
         </p:blipFill>
         <p:spPr>
           <a:xfrm>
-            <a:off x="2579088" y="2181225"/>
-            <a:ext cx="7033823" cy="3678238"/>
-          </a:xfrm>
+            <a:off x="1992128" y="2054771"/>
+            <a:ext cx="1772437" cy="3678238"/>
+          </a:xfrm>
+        </p:spPr>
+      </p:pic>
+      <p:pic>
+        <p:nvPicPr>
+          <p:cNvPr id="7" name="Imagen 6">
+            <a:extLst>
+              <a:ext uri="{FF2B5EF4-FFF2-40B4-BE49-F238E27FC236}">
+                <a16:creationId xmlns:a16="http://schemas.microsoft.com/office/drawing/2014/main" id="{9A70EA01-CCB7-4E3E-2F7E-68FC7E53DFDD}"/>
+              </a:ext>
+            </a:extLst>
+          </p:cNvPr>
+          <p:cNvPicPr>
+            <a:picLocks noChangeAspect="1"/>
+          </p:cNvPicPr>
+          <p:nvPr/>
+        </p:nvPicPr>
+        <p:blipFill>
+          <a:blip r:embed="rId3"/>
+          <a:stretch>
+            <a:fillRect/>
+          </a:stretch>
+        </p:blipFill>
+        <p:spPr>
+          <a:xfrm>
+            <a:off x="7064460" y="1935680"/>
+            <a:ext cx="3953427" cy="4220164"/>
+          </a:xfrm>
+          <a:prstGeom prst="rect">
+            <a:avLst/>
+          </a:prstGeom>
+        </p:spPr>
+      </p:pic>
+      <p:pic>
+        <p:nvPicPr>
+          <p:cNvPr id="9" name="Imagen 8">
+            <a:extLst>
+              <a:ext uri="{FF2B5EF4-FFF2-40B4-BE49-F238E27FC236}">
+                <a16:creationId xmlns:a16="http://schemas.microsoft.com/office/drawing/2014/main" id="{3A00B1D3-DEE1-1D58-0092-B61BDF493B48}"/>
+              </a:ext>
+            </a:extLst>
+          </p:cNvPr>
+          <p:cNvPicPr>
+            <a:picLocks noChangeAspect="1"/>
+          </p:cNvPicPr>
+          <p:nvPr/>
+        </p:nvPicPr>
+        <p:blipFill>
+          <a:blip r:embed="rId4"/>
+          <a:stretch>
+            <a:fillRect/>
+          </a:stretch>
+        </p:blipFill>
+        <p:spPr>
+          <a:xfrm>
+            <a:off x="4077857" y="2054771"/>
+            <a:ext cx="2673311" cy="3895582"/>
+          </a:xfrm>
+          <a:prstGeom prst="rect">
+            <a:avLst/>
+          </a:prstGeom>
         </p:spPr>
       </p:pic>
     </p:spTree>
     <p:extLst>
       <p:ext uri="{BB962C8B-B14F-4D97-AF65-F5344CB8AC3E}">
-        <p14:creationId xmlns:p14="http://schemas.microsoft.com/office/powerpoint/2010/main" val="1763098966"/>
+        <p14:creationId xmlns:p14="http://schemas.microsoft.com/office/powerpoint/2010/main" val="230369753"/>
       </p:ext>
     </p:extLst>
   </p:cSld>
@@ -8080,7 +8086,7 @@
           <p:cNvPr id="2" name="Título 1">
             <a:extLst>
               <a:ext uri="{FF2B5EF4-FFF2-40B4-BE49-F238E27FC236}">
-                <a16:creationId xmlns:a16="http://schemas.microsoft.com/office/drawing/2014/main" id="{17F5B73B-41F1-E2E5-212A-87B23CC608F3}"/>
+                <a16:creationId xmlns:a16="http://schemas.microsoft.com/office/drawing/2014/main" id="{5DFB48FB-3CFE-395D-3809-8E0C3B093F92}"/>
               </a:ext>
             </a:extLst>
           </p:cNvPr>
@@ -8097,75 +8103,64 @@
           <a:lstStyle/>
           <a:p>
             <a:r>
+              <a:rPr lang="es-ES" dirty="0" err="1"/>
+              <a:t>Tests</a:t>
+            </a:r>
+            <a:r>
               <a:rPr lang="es-ES" dirty="0"/>
-              <a:t>JAR</a:t>
-            </a:r>
-          </a:p>
-        </p:txBody>
-      </p:sp>
-      <p:pic>
-        <p:nvPicPr>
-          <p:cNvPr id="5" name="Marcador de contenido 4">
-            <a:extLst>
-              <a:ext uri="{FF2B5EF4-FFF2-40B4-BE49-F238E27FC236}">
-                <a16:creationId xmlns:a16="http://schemas.microsoft.com/office/drawing/2014/main" id="{F7615DB4-4FB8-7384-5E78-AE87402E24BA}"/>
-              </a:ext>
-            </a:extLst>
-          </p:cNvPr>
-          <p:cNvPicPr>
-            <a:picLocks noGrp="1" noChangeAspect="1"/>
-          </p:cNvPicPr>
+              <a:t> </a:t>
+            </a:r>
+            <a:r>
+              <a:rPr lang="es-ES" dirty="0" err="1"/>
+              <a:t>containers</a:t>
+            </a:r>
+            <a:endParaRPr lang="es-ES" dirty="0"/>
+          </a:p>
+        </p:txBody>
+      </p:sp>
+      <p:sp>
+        <p:nvSpPr>
+          <p:cNvPr id="3" name="Marcador de contenido 2">
+            <a:extLst>
+              <a:ext uri="{FF2B5EF4-FFF2-40B4-BE49-F238E27FC236}">
+                <a16:creationId xmlns:a16="http://schemas.microsoft.com/office/drawing/2014/main" id="{81A77B98-7CB2-3C95-B320-91D6B97353E9}"/>
+              </a:ext>
+            </a:extLst>
+          </p:cNvPr>
+          <p:cNvSpPr>
+            <a:spLocks noGrp="1"/>
+          </p:cNvSpPr>
           <p:nvPr>
             <p:ph idx="1"/>
           </p:nvPr>
-        </p:nvPicPr>
-        <p:blipFill>
-          <a:blip r:embed="rId2"/>
-          <a:stretch>
-            <a:fillRect/>
-          </a:stretch>
-        </p:blipFill>
-        <p:spPr>
-          <a:xfrm>
-            <a:off x="3342891" y="3963012"/>
-            <a:ext cx="5506218" cy="1305107"/>
-          </a:xfrm>
-        </p:spPr>
-      </p:pic>
-      <p:pic>
-        <p:nvPicPr>
-          <p:cNvPr id="7" name="Imagen 6">
-            <a:extLst>
-              <a:ext uri="{FF2B5EF4-FFF2-40B4-BE49-F238E27FC236}">
-                <a16:creationId xmlns:a16="http://schemas.microsoft.com/office/drawing/2014/main" id="{C050BD9E-CF9E-80AD-D17C-5ABC577F9B21}"/>
-              </a:ext>
-            </a:extLst>
-          </p:cNvPr>
-          <p:cNvPicPr>
-            <a:picLocks noChangeAspect="1"/>
-          </p:cNvPicPr>
-          <p:nvPr/>
-        </p:nvPicPr>
-        <p:blipFill>
-          <a:blip r:embed="rId3"/>
-          <a:stretch>
-            <a:fillRect/>
-          </a:stretch>
-        </p:blipFill>
-        <p:spPr>
-          <a:xfrm>
-            <a:off x="2959511" y="2379688"/>
-            <a:ext cx="6134956" cy="1419423"/>
-          </a:xfrm>
-          <a:prstGeom prst="rect">
-            <a:avLst/>
-          </a:prstGeom>
-        </p:spPr>
-      </p:pic>
+        </p:nvSpPr>
+        <p:spPr/>
+        <p:txBody>
+          <a:bodyPr/>
+          <a:lstStyle/>
+          <a:p>
+            <a:r>
+              <a:rPr lang="es-ES" dirty="0"/>
+              <a:t>Test de integración</a:t>
+            </a:r>
+          </a:p>
+          <a:p>
+            <a:r>
+              <a:rPr lang="es-ES" dirty="0"/>
+              <a:t>“</a:t>
+            </a:r>
+            <a:r>
+              <a:rPr lang="en-US" dirty="0"/>
+              <a:t>No more need for mocks or complicated environment configurations. Define your test dependencies as code, then simply run your tests and containers will be created and then deleted.”</a:t>
+            </a:r>
+            <a:endParaRPr lang="es-ES" dirty="0"/>
+          </a:p>
+        </p:txBody>
+      </p:sp>
     </p:spTree>
     <p:extLst>
       <p:ext uri="{BB962C8B-B14F-4D97-AF65-F5344CB8AC3E}">
-        <p14:creationId xmlns:p14="http://schemas.microsoft.com/office/powerpoint/2010/main" val="1094729732"/>
+        <p14:creationId xmlns:p14="http://schemas.microsoft.com/office/powerpoint/2010/main" val="853036008"/>
       </p:ext>
     </p:extLst>
   </p:cSld>
@@ -8197,7 +8192,7 @@
           <p:cNvPr id="2" name="Título 1">
             <a:extLst>
               <a:ext uri="{FF2B5EF4-FFF2-40B4-BE49-F238E27FC236}">
-                <a16:creationId xmlns:a16="http://schemas.microsoft.com/office/drawing/2014/main" id="{2BCB4851-74A0-1A21-9E22-06867B57987C}"/>
+                <a16:creationId xmlns:a16="http://schemas.microsoft.com/office/drawing/2014/main" id="{83FC0774-5DD5-1FC7-506D-951E327DC798}"/>
               </a:ext>
             </a:extLst>
           </p:cNvPr>
@@ -8214,9 +8209,10 @@
           <a:lstStyle/>
           <a:p>
             <a:r>
-              <a:rPr lang="es-ES" dirty="0"/>
-              <a:t>Docker</a:t>
-            </a:r>
+              <a:rPr lang="es-ES" dirty="0" err="1"/>
+              <a:t>Tests</a:t>
+            </a:r>
+            <a:endParaRPr lang="es-ES" dirty="0"/>
           </a:p>
         </p:txBody>
       </p:sp>
@@ -8225,7 +8221,7 @@
           <p:cNvPr id="5" name="Marcador de contenido 4">
             <a:extLst>
               <a:ext uri="{FF2B5EF4-FFF2-40B4-BE49-F238E27FC236}">
-                <a16:creationId xmlns:a16="http://schemas.microsoft.com/office/drawing/2014/main" id="{280CE7AA-2C06-9C6E-3194-A088F9D900E4}"/>
+                <a16:creationId xmlns:a16="http://schemas.microsoft.com/office/drawing/2014/main" id="{A2FC729B-1947-62D4-22CF-B593B4BB7A9D}"/>
               </a:ext>
             </a:extLst>
           </p:cNvPr>
@@ -8244,15 +8240,15 @@
         </p:blipFill>
         <p:spPr>
           <a:xfrm>
-            <a:off x="3260445" y="2181225"/>
-            <a:ext cx="5671109" cy="3678238"/>
+            <a:off x="2677289" y="2181225"/>
+            <a:ext cx="6837421" cy="3678238"/>
           </a:xfrm>
         </p:spPr>
       </p:pic>
     </p:spTree>
     <p:extLst>
       <p:ext uri="{BB962C8B-B14F-4D97-AF65-F5344CB8AC3E}">
-        <p14:creationId xmlns:p14="http://schemas.microsoft.com/office/powerpoint/2010/main" val="2641658417"/>
+        <p14:creationId xmlns:p14="http://schemas.microsoft.com/office/powerpoint/2010/main" val="3397566783"/>
       </p:ext>
     </p:extLst>
   </p:cSld>
@@ -8284,7 +8280,7 @@
           <p:cNvPr id="2" name="Título 1">
             <a:extLst>
               <a:ext uri="{FF2B5EF4-FFF2-40B4-BE49-F238E27FC236}">
-                <a16:creationId xmlns:a16="http://schemas.microsoft.com/office/drawing/2014/main" id="{60F974C1-E2C0-6AF8-AC20-1749805BEC17}"/>
+                <a16:creationId xmlns:a16="http://schemas.microsoft.com/office/drawing/2014/main" id="{6ECE8F4F-5852-7705-2E1C-B730FE62AC0D}"/>
               </a:ext>
             </a:extLst>
           </p:cNvPr>
@@ -8302,7 +8298,7 @@
           <a:p>
             <a:r>
               <a:rPr lang="es-ES" dirty="0" err="1"/>
-              <a:t>nginx</a:t>
+              <a:t>Tests</a:t>
             </a:r>
             <a:endParaRPr lang="es-ES" dirty="0"/>
           </a:p>
@@ -8310,19 +8306,17 @@
       </p:sp>
       <p:pic>
         <p:nvPicPr>
-          <p:cNvPr id="5" name="Marcador de contenido 4">
-            <a:extLst>
-              <a:ext uri="{FF2B5EF4-FFF2-40B4-BE49-F238E27FC236}">
-                <a16:creationId xmlns:a16="http://schemas.microsoft.com/office/drawing/2014/main" id="{D715287E-F2D7-5B81-92FD-6C887C91EAA8}"/>
+          <p:cNvPr id="4" name="Imagen 3" descr="Interfaz de usuario gráfica&#10;&#10;Descripción generada automáticamente">
+            <a:extLst>
+              <a:ext uri="{FF2B5EF4-FFF2-40B4-BE49-F238E27FC236}">
+                <a16:creationId xmlns:a16="http://schemas.microsoft.com/office/drawing/2014/main" id="{40768248-41C0-1AD4-246E-E70708739132}"/>
               </a:ext>
             </a:extLst>
           </p:cNvPr>
           <p:cNvPicPr>
-            <a:picLocks noGrp="1" noChangeAspect="1"/>
+            <a:picLocks noChangeAspect="1"/>
           </p:cNvPicPr>
-          <p:nvPr>
-            <p:ph idx="1"/>
-          </p:nvPr>
+          <p:nvPr/>
         </p:nvPicPr>
         <p:blipFill>
           <a:blip r:embed="rId2"/>
@@ -8332,35 +8326,8 @@
         </p:blipFill>
         <p:spPr>
           <a:xfrm>
-            <a:off x="6643805" y="3157267"/>
-            <a:ext cx="4636326" cy="1684731"/>
-          </a:xfrm>
-        </p:spPr>
-      </p:pic>
-      <p:pic>
-        <p:nvPicPr>
-          <p:cNvPr id="7" name="Imagen 6">
-            <a:extLst>
-              <a:ext uri="{FF2B5EF4-FFF2-40B4-BE49-F238E27FC236}">
-                <a16:creationId xmlns:a16="http://schemas.microsoft.com/office/drawing/2014/main" id="{7561CBF8-C9F9-D1CC-852A-7688A0A636BC}"/>
-              </a:ext>
-            </a:extLst>
-          </p:cNvPr>
-          <p:cNvPicPr>
-            <a:picLocks noChangeAspect="1"/>
-          </p:cNvPicPr>
-          <p:nvPr/>
-        </p:nvPicPr>
-        <p:blipFill>
-          <a:blip r:embed="rId3"/>
-          <a:stretch>
-            <a:fillRect/>
-          </a:stretch>
-        </p:blipFill>
-        <p:spPr>
-          <a:xfrm>
-            <a:off x="1457864" y="3063969"/>
-            <a:ext cx="4820309" cy="1896919"/>
+            <a:off x="1052422" y="2913431"/>
+            <a:ext cx="10087155" cy="1862799"/>
           </a:xfrm>
           <a:prstGeom prst="rect">
             <a:avLst/>
@@ -8370,7 +8337,7 @@
     </p:spTree>
     <p:extLst>
       <p:ext uri="{BB962C8B-B14F-4D97-AF65-F5344CB8AC3E}">
-        <p14:creationId xmlns:p14="http://schemas.microsoft.com/office/powerpoint/2010/main" val="3466280605"/>
+        <p14:creationId xmlns:p14="http://schemas.microsoft.com/office/powerpoint/2010/main" val="2680079213"/>
       </p:ext>
     </p:extLst>
   </p:cSld>
@@ -8402,7 +8369,7 @@
           <p:cNvPr id="2" name="Título 1">
             <a:extLst>
               <a:ext uri="{FF2B5EF4-FFF2-40B4-BE49-F238E27FC236}">
-                <a16:creationId xmlns:a16="http://schemas.microsoft.com/office/drawing/2014/main" id="{C0D4FF4B-079D-876D-7023-B12B79D3E655}"/>
+                <a16:creationId xmlns:a16="http://schemas.microsoft.com/office/drawing/2014/main" id="{AF7CDA27-ED0C-7799-1F7D-EFCC811AE8C1}"/>
               </a:ext>
             </a:extLst>
           </p:cNvPr>
@@ -8420,17 +8387,17 @@
           <a:p>
             <a:r>
               <a:rPr lang="es-ES" dirty="0"/>
-              <a:t>CD</a:t>
+              <a:t>CI</a:t>
             </a:r>
           </a:p>
         </p:txBody>
       </p:sp>
       <p:pic>
         <p:nvPicPr>
-          <p:cNvPr id="9" name="Marcador de contenido 8">
-            <a:extLst>
-              <a:ext uri="{FF2B5EF4-FFF2-40B4-BE49-F238E27FC236}">
-                <a16:creationId xmlns:a16="http://schemas.microsoft.com/office/drawing/2014/main" id="{ABCD7931-5A5D-6DEA-3F10-724B0489489C}"/>
+          <p:cNvPr id="5" name="Marcador de contenido 4">
+            <a:extLst>
+              <a:ext uri="{FF2B5EF4-FFF2-40B4-BE49-F238E27FC236}">
+                <a16:creationId xmlns:a16="http://schemas.microsoft.com/office/drawing/2014/main" id="{F31F398D-2CAF-5B50-3CD8-61B6BBECE2EE}"/>
               </a:ext>
             </a:extLst>
           </p:cNvPr>
@@ -8449,17 +8416,17 @@
         </p:blipFill>
         <p:spPr>
           <a:xfrm>
-            <a:off x="2467659" y="3191774"/>
-            <a:ext cx="6300238" cy="3184912"/>
+            <a:off x="4623760" y="2163761"/>
+            <a:ext cx="5676764" cy="3825098"/>
           </a:xfrm>
         </p:spPr>
       </p:pic>
       <p:sp>
         <p:nvSpPr>
-          <p:cNvPr id="10" name="CuadroTexto 9">
-            <a:extLst>
-              <a:ext uri="{FF2B5EF4-FFF2-40B4-BE49-F238E27FC236}">
-                <a16:creationId xmlns:a16="http://schemas.microsoft.com/office/drawing/2014/main" id="{0BCC2CBE-70CD-603C-09DC-D550BB8CC815}"/>
+          <p:cNvPr id="6" name="CuadroTexto 5">
+            <a:extLst>
+              <a:ext uri="{FF2B5EF4-FFF2-40B4-BE49-F238E27FC236}">
+                <a16:creationId xmlns:a16="http://schemas.microsoft.com/office/drawing/2014/main" id="{BB58FE08-122F-A097-5593-A35AFA6C4A7E}"/>
               </a:ext>
             </a:extLst>
           </p:cNvPr>
@@ -8468,8 +8435,8 @@
         </p:nvSpPr>
         <p:spPr>
           <a:xfrm>
-            <a:off x="374158" y="2018580"/>
-            <a:ext cx="9485834" cy="369332"/>
+            <a:off x="581193" y="2163761"/>
+            <a:ext cx="3801026" cy="369332"/>
           </a:xfrm>
           <a:prstGeom prst="rect">
             <a:avLst/>
@@ -8484,20 +8451,15 @@
           <a:p>
             <a:r>
               <a:rPr lang="es-ES" dirty="0"/>
-              <a:t>Primero se compila y se sube la imagen a Docker </a:t>
-            </a:r>
-            <a:r>
-              <a:rPr lang="es-ES" dirty="0" err="1"/>
-              <a:t>hub</a:t>
-            </a:r>
-            <a:endParaRPr lang="es-ES" dirty="0"/>
+              <a:t>Configurar variables de entorno</a:t>
+            </a:r>
           </a:p>
         </p:txBody>
       </p:sp>
     </p:spTree>
     <p:extLst>
       <p:ext uri="{BB962C8B-B14F-4D97-AF65-F5344CB8AC3E}">
-        <p14:creationId xmlns:p14="http://schemas.microsoft.com/office/powerpoint/2010/main" val="4164825674"/>
+        <p14:creationId xmlns:p14="http://schemas.microsoft.com/office/powerpoint/2010/main" val="3414880789"/>
       </p:ext>
     </p:extLst>
   </p:cSld>
@@ -8529,6 +8491,648 @@
           <p:cNvPr id="2" name="Título 1">
             <a:extLst>
               <a:ext uri="{FF2B5EF4-FFF2-40B4-BE49-F238E27FC236}">
+                <a16:creationId xmlns:a16="http://schemas.microsoft.com/office/drawing/2014/main" id="{DC40F6B0-4E95-7382-F265-677E2417FA09}"/>
+              </a:ext>
+            </a:extLst>
+          </p:cNvPr>
+          <p:cNvSpPr>
+            <a:spLocks noGrp="1"/>
+          </p:cNvSpPr>
+          <p:nvPr>
+            <p:ph type="title"/>
+          </p:nvPr>
+        </p:nvSpPr>
+        <p:spPr/>
+        <p:txBody>
+          <a:bodyPr/>
+          <a:lstStyle/>
+          <a:p>
+            <a:r>
+              <a:rPr lang="es-ES" dirty="0"/>
+              <a:t>CI</a:t>
+            </a:r>
+          </a:p>
+        </p:txBody>
+      </p:sp>
+      <p:pic>
+        <p:nvPicPr>
+          <p:cNvPr id="5" name="Marcador de contenido 4">
+            <a:extLst>
+              <a:ext uri="{FF2B5EF4-FFF2-40B4-BE49-F238E27FC236}">
+                <a16:creationId xmlns:a16="http://schemas.microsoft.com/office/drawing/2014/main" id="{76EBDAD6-0E63-4BA6-B20B-3DF5330642B8}"/>
+              </a:ext>
+            </a:extLst>
+          </p:cNvPr>
+          <p:cNvPicPr>
+            <a:picLocks noGrp="1" noChangeAspect="1"/>
+          </p:cNvPicPr>
+          <p:nvPr>
+            <p:ph idx="1"/>
+          </p:nvPr>
+        </p:nvPicPr>
+        <p:blipFill>
+          <a:blip r:embed="rId2"/>
+          <a:stretch>
+            <a:fillRect/>
+          </a:stretch>
+        </p:blipFill>
+        <p:spPr>
+          <a:xfrm>
+            <a:off x="2579088" y="2181225"/>
+            <a:ext cx="7033823" cy="3678238"/>
+          </a:xfrm>
+        </p:spPr>
+      </p:pic>
+    </p:spTree>
+    <p:extLst>
+      <p:ext uri="{BB962C8B-B14F-4D97-AF65-F5344CB8AC3E}">
+        <p14:creationId xmlns:p14="http://schemas.microsoft.com/office/powerpoint/2010/main" val="1763098966"/>
+      </p:ext>
+    </p:extLst>
+  </p:cSld>
+  <p:clrMapOvr>
+    <a:masterClrMapping/>
+  </p:clrMapOvr>
+</p:sld>
+</file>
+
+<file path=ppt/slides/slide39.xml><?xml version="1.0" encoding="utf-8"?>
+<p:sld xmlns:a="http://schemas.openxmlformats.org/drawingml/2006/main" xmlns:r="http://schemas.openxmlformats.org/officeDocument/2006/relationships" xmlns:p="http://schemas.openxmlformats.org/presentationml/2006/main">
+  <p:cSld>
+    <p:spTree>
+      <p:nvGrpSpPr>
+        <p:cNvPr id="1" name=""/>
+        <p:cNvGrpSpPr/>
+        <p:nvPr/>
+      </p:nvGrpSpPr>
+      <p:grpSpPr>
+        <a:xfrm>
+          <a:off x="0" y="0"/>
+          <a:ext cx="0" cy="0"/>
+          <a:chOff x="0" y="0"/>
+          <a:chExt cx="0" cy="0"/>
+        </a:xfrm>
+      </p:grpSpPr>
+      <p:sp>
+        <p:nvSpPr>
+          <p:cNvPr id="2" name="Título 1">
+            <a:extLst>
+              <a:ext uri="{FF2B5EF4-FFF2-40B4-BE49-F238E27FC236}">
+                <a16:creationId xmlns:a16="http://schemas.microsoft.com/office/drawing/2014/main" id="{17F5B73B-41F1-E2E5-212A-87B23CC608F3}"/>
+              </a:ext>
+            </a:extLst>
+          </p:cNvPr>
+          <p:cNvSpPr>
+            <a:spLocks noGrp="1"/>
+          </p:cNvSpPr>
+          <p:nvPr>
+            <p:ph type="title"/>
+          </p:nvPr>
+        </p:nvSpPr>
+        <p:spPr/>
+        <p:txBody>
+          <a:bodyPr/>
+          <a:lstStyle/>
+          <a:p>
+            <a:r>
+              <a:rPr lang="es-ES" dirty="0"/>
+              <a:t>JAR</a:t>
+            </a:r>
+          </a:p>
+        </p:txBody>
+      </p:sp>
+      <p:pic>
+        <p:nvPicPr>
+          <p:cNvPr id="5" name="Marcador de contenido 4">
+            <a:extLst>
+              <a:ext uri="{FF2B5EF4-FFF2-40B4-BE49-F238E27FC236}">
+                <a16:creationId xmlns:a16="http://schemas.microsoft.com/office/drawing/2014/main" id="{F7615DB4-4FB8-7384-5E78-AE87402E24BA}"/>
+              </a:ext>
+            </a:extLst>
+          </p:cNvPr>
+          <p:cNvPicPr>
+            <a:picLocks noGrp="1" noChangeAspect="1"/>
+          </p:cNvPicPr>
+          <p:nvPr>
+            <p:ph idx="1"/>
+          </p:nvPr>
+        </p:nvPicPr>
+        <p:blipFill>
+          <a:blip r:embed="rId2"/>
+          <a:stretch>
+            <a:fillRect/>
+          </a:stretch>
+        </p:blipFill>
+        <p:spPr>
+          <a:xfrm>
+            <a:off x="3342891" y="3963012"/>
+            <a:ext cx="5506218" cy="1305107"/>
+          </a:xfrm>
+        </p:spPr>
+      </p:pic>
+      <p:pic>
+        <p:nvPicPr>
+          <p:cNvPr id="7" name="Imagen 6">
+            <a:extLst>
+              <a:ext uri="{FF2B5EF4-FFF2-40B4-BE49-F238E27FC236}">
+                <a16:creationId xmlns:a16="http://schemas.microsoft.com/office/drawing/2014/main" id="{C050BD9E-CF9E-80AD-D17C-5ABC577F9B21}"/>
+              </a:ext>
+            </a:extLst>
+          </p:cNvPr>
+          <p:cNvPicPr>
+            <a:picLocks noChangeAspect="1"/>
+          </p:cNvPicPr>
+          <p:nvPr/>
+        </p:nvPicPr>
+        <p:blipFill>
+          <a:blip r:embed="rId3"/>
+          <a:stretch>
+            <a:fillRect/>
+          </a:stretch>
+        </p:blipFill>
+        <p:spPr>
+          <a:xfrm>
+            <a:off x="2959511" y="2379688"/>
+            <a:ext cx="6134956" cy="1419423"/>
+          </a:xfrm>
+          <a:prstGeom prst="rect">
+            <a:avLst/>
+          </a:prstGeom>
+        </p:spPr>
+      </p:pic>
+    </p:spTree>
+    <p:extLst>
+      <p:ext uri="{BB962C8B-B14F-4D97-AF65-F5344CB8AC3E}">
+        <p14:creationId xmlns:p14="http://schemas.microsoft.com/office/powerpoint/2010/main" val="1094729732"/>
+      </p:ext>
+    </p:extLst>
+  </p:cSld>
+  <p:clrMapOvr>
+    <a:masterClrMapping/>
+  </p:clrMapOvr>
+</p:sld>
+</file>
+
+<file path=ppt/slides/slide4.xml><?xml version="1.0" encoding="utf-8"?>
+<p:sld xmlns:a="http://schemas.openxmlformats.org/drawingml/2006/main" xmlns:r="http://schemas.openxmlformats.org/officeDocument/2006/relationships" xmlns:p="http://schemas.openxmlformats.org/presentationml/2006/main">
+  <p:cSld>
+    <p:spTree>
+      <p:nvGrpSpPr>
+        <p:cNvPr id="1" name=""/>
+        <p:cNvGrpSpPr/>
+        <p:nvPr/>
+      </p:nvGrpSpPr>
+      <p:grpSpPr>
+        <a:xfrm>
+          <a:off x="0" y="0"/>
+          <a:ext cx="0" cy="0"/>
+          <a:chOff x="0" y="0"/>
+          <a:chExt cx="0" cy="0"/>
+        </a:xfrm>
+      </p:grpSpPr>
+      <p:sp>
+        <p:nvSpPr>
+          <p:cNvPr id="2" name="Título 1">
+            <a:extLst>
+              <a:ext uri="{FF2B5EF4-FFF2-40B4-BE49-F238E27FC236}">
+                <a16:creationId xmlns:a16="http://schemas.microsoft.com/office/drawing/2014/main" id="{CD939190-5870-5036-A940-DE3C62F64942}"/>
+              </a:ext>
+            </a:extLst>
+          </p:cNvPr>
+          <p:cNvSpPr>
+            <a:spLocks noGrp="1"/>
+          </p:cNvSpPr>
+          <p:nvPr>
+            <p:ph type="title"/>
+          </p:nvPr>
+        </p:nvSpPr>
+        <p:spPr/>
+        <p:txBody>
+          <a:bodyPr/>
+          <a:lstStyle/>
+          <a:p>
+            <a:r>
+              <a:rPr lang="es-ES" dirty="0"/>
+              <a:t>¿Por qué </a:t>
+            </a:r>
+            <a:r>
+              <a:rPr lang="es-ES" dirty="0" err="1"/>
+              <a:t>ktor</a:t>
+            </a:r>
+            <a:r>
+              <a:rPr lang="es-ES" dirty="0"/>
+              <a:t>?</a:t>
+            </a:r>
+          </a:p>
+        </p:txBody>
+      </p:sp>
+      <p:sp>
+        <p:nvSpPr>
+          <p:cNvPr id="3" name="Marcador de contenido 2">
+            <a:extLst>
+              <a:ext uri="{FF2B5EF4-FFF2-40B4-BE49-F238E27FC236}">
+                <a16:creationId xmlns:a16="http://schemas.microsoft.com/office/drawing/2014/main" id="{02FBAC2C-EABE-FC50-1AEC-3695564B6253}"/>
+              </a:ext>
+            </a:extLst>
+          </p:cNvPr>
+          <p:cNvSpPr>
+            <a:spLocks noGrp="1"/>
+          </p:cNvSpPr>
+          <p:nvPr>
+            <p:ph idx="1"/>
+          </p:nvPr>
+        </p:nvSpPr>
+        <p:spPr/>
+        <p:txBody>
+          <a:bodyPr/>
+          <a:lstStyle/>
+          <a:p>
+            <a:r>
+              <a:rPr lang="es-ES" dirty="0" err="1"/>
+              <a:t>Ktor</a:t>
+            </a:r>
+            <a:r>
+              <a:rPr lang="es-ES" dirty="0"/>
+              <a:t> permite desarrollar </a:t>
+            </a:r>
+            <a:r>
+              <a:rPr lang="es-ES" dirty="0" err="1"/>
+              <a:t>apis</a:t>
+            </a:r>
+            <a:r>
+              <a:rPr lang="es-ES" dirty="0"/>
+              <a:t> rápido y además tiene mucho mejor rendimiento que alternativas sus alternativas como Spring.</a:t>
+            </a:r>
+          </a:p>
+        </p:txBody>
+      </p:sp>
+    </p:spTree>
+    <p:extLst>
+      <p:ext uri="{BB962C8B-B14F-4D97-AF65-F5344CB8AC3E}">
+        <p14:creationId xmlns:p14="http://schemas.microsoft.com/office/powerpoint/2010/main" val="1571809727"/>
+      </p:ext>
+    </p:extLst>
+  </p:cSld>
+  <p:clrMapOvr>
+    <a:masterClrMapping/>
+  </p:clrMapOvr>
+</p:sld>
+</file>
+
+<file path=ppt/slides/slide40.xml><?xml version="1.0" encoding="utf-8"?>
+<p:sld xmlns:a="http://schemas.openxmlformats.org/drawingml/2006/main" xmlns:r="http://schemas.openxmlformats.org/officeDocument/2006/relationships" xmlns:p="http://schemas.openxmlformats.org/presentationml/2006/main">
+  <p:cSld>
+    <p:spTree>
+      <p:nvGrpSpPr>
+        <p:cNvPr id="1" name=""/>
+        <p:cNvGrpSpPr/>
+        <p:nvPr/>
+      </p:nvGrpSpPr>
+      <p:grpSpPr>
+        <a:xfrm>
+          <a:off x="0" y="0"/>
+          <a:ext cx="0" cy="0"/>
+          <a:chOff x="0" y="0"/>
+          <a:chExt cx="0" cy="0"/>
+        </a:xfrm>
+      </p:grpSpPr>
+      <p:sp>
+        <p:nvSpPr>
+          <p:cNvPr id="2" name="Título 1">
+            <a:extLst>
+              <a:ext uri="{FF2B5EF4-FFF2-40B4-BE49-F238E27FC236}">
+                <a16:creationId xmlns:a16="http://schemas.microsoft.com/office/drawing/2014/main" id="{2BCB4851-74A0-1A21-9E22-06867B57987C}"/>
+              </a:ext>
+            </a:extLst>
+          </p:cNvPr>
+          <p:cNvSpPr>
+            <a:spLocks noGrp="1"/>
+          </p:cNvSpPr>
+          <p:nvPr>
+            <p:ph type="title"/>
+          </p:nvPr>
+        </p:nvSpPr>
+        <p:spPr/>
+        <p:txBody>
+          <a:bodyPr/>
+          <a:lstStyle/>
+          <a:p>
+            <a:r>
+              <a:rPr lang="es-ES" dirty="0"/>
+              <a:t>Docker</a:t>
+            </a:r>
+          </a:p>
+        </p:txBody>
+      </p:sp>
+      <p:pic>
+        <p:nvPicPr>
+          <p:cNvPr id="5" name="Marcador de contenido 4">
+            <a:extLst>
+              <a:ext uri="{FF2B5EF4-FFF2-40B4-BE49-F238E27FC236}">
+                <a16:creationId xmlns:a16="http://schemas.microsoft.com/office/drawing/2014/main" id="{280CE7AA-2C06-9C6E-3194-A088F9D900E4}"/>
+              </a:ext>
+            </a:extLst>
+          </p:cNvPr>
+          <p:cNvPicPr>
+            <a:picLocks noGrp="1" noChangeAspect="1"/>
+          </p:cNvPicPr>
+          <p:nvPr>
+            <p:ph idx="1"/>
+          </p:nvPr>
+        </p:nvPicPr>
+        <p:blipFill>
+          <a:blip r:embed="rId2"/>
+          <a:stretch>
+            <a:fillRect/>
+          </a:stretch>
+        </p:blipFill>
+        <p:spPr>
+          <a:xfrm>
+            <a:off x="3260445" y="2181225"/>
+            <a:ext cx="5671109" cy="3678238"/>
+          </a:xfrm>
+        </p:spPr>
+      </p:pic>
+    </p:spTree>
+    <p:extLst>
+      <p:ext uri="{BB962C8B-B14F-4D97-AF65-F5344CB8AC3E}">
+        <p14:creationId xmlns:p14="http://schemas.microsoft.com/office/powerpoint/2010/main" val="2641658417"/>
+      </p:ext>
+    </p:extLst>
+  </p:cSld>
+  <p:clrMapOvr>
+    <a:masterClrMapping/>
+  </p:clrMapOvr>
+</p:sld>
+</file>
+
+<file path=ppt/slides/slide41.xml><?xml version="1.0" encoding="utf-8"?>
+<p:sld xmlns:a="http://schemas.openxmlformats.org/drawingml/2006/main" xmlns:r="http://schemas.openxmlformats.org/officeDocument/2006/relationships" xmlns:p="http://schemas.openxmlformats.org/presentationml/2006/main">
+  <p:cSld>
+    <p:spTree>
+      <p:nvGrpSpPr>
+        <p:cNvPr id="1" name=""/>
+        <p:cNvGrpSpPr/>
+        <p:nvPr/>
+      </p:nvGrpSpPr>
+      <p:grpSpPr>
+        <a:xfrm>
+          <a:off x="0" y="0"/>
+          <a:ext cx="0" cy="0"/>
+          <a:chOff x="0" y="0"/>
+          <a:chExt cx="0" cy="0"/>
+        </a:xfrm>
+      </p:grpSpPr>
+      <p:sp>
+        <p:nvSpPr>
+          <p:cNvPr id="2" name="Título 1">
+            <a:extLst>
+              <a:ext uri="{FF2B5EF4-FFF2-40B4-BE49-F238E27FC236}">
+                <a16:creationId xmlns:a16="http://schemas.microsoft.com/office/drawing/2014/main" id="{60F974C1-E2C0-6AF8-AC20-1749805BEC17}"/>
+              </a:ext>
+            </a:extLst>
+          </p:cNvPr>
+          <p:cNvSpPr>
+            <a:spLocks noGrp="1"/>
+          </p:cNvSpPr>
+          <p:nvPr>
+            <p:ph type="title"/>
+          </p:nvPr>
+        </p:nvSpPr>
+        <p:spPr/>
+        <p:txBody>
+          <a:bodyPr/>
+          <a:lstStyle/>
+          <a:p>
+            <a:r>
+              <a:rPr lang="es-ES" dirty="0" err="1"/>
+              <a:t>nginx</a:t>
+            </a:r>
+            <a:endParaRPr lang="es-ES" dirty="0"/>
+          </a:p>
+        </p:txBody>
+      </p:sp>
+      <p:pic>
+        <p:nvPicPr>
+          <p:cNvPr id="5" name="Marcador de contenido 4">
+            <a:extLst>
+              <a:ext uri="{FF2B5EF4-FFF2-40B4-BE49-F238E27FC236}">
+                <a16:creationId xmlns:a16="http://schemas.microsoft.com/office/drawing/2014/main" id="{D715287E-F2D7-5B81-92FD-6C887C91EAA8}"/>
+              </a:ext>
+            </a:extLst>
+          </p:cNvPr>
+          <p:cNvPicPr>
+            <a:picLocks noGrp="1" noChangeAspect="1"/>
+          </p:cNvPicPr>
+          <p:nvPr>
+            <p:ph idx="1"/>
+          </p:nvPr>
+        </p:nvPicPr>
+        <p:blipFill>
+          <a:blip r:embed="rId2"/>
+          <a:stretch>
+            <a:fillRect/>
+          </a:stretch>
+        </p:blipFill>
+        <p:spPr>
+          <a:xfrm>
+            <a:off x="6643805" y="3157267"/>
+            <a:ext cx="4636326" cy="1684731"/>
+          </a:xfrm>
+        </p:spPr>
+      </p:pic>
+      <p:pic>
+        <p:nvPicPr>
+          <p:cNvPr id="7" name="Imagen 6">
+            <a:extLst>
+              <a:ext uri="{FF2B5EF4-FFF2-40B4-BE49-F238E27FC236}">
+                <a16:creationId xmlns:a16="http://schemas.microsoft.com/office/drawing/2014/main" id="{7561CBF8-C9F9-D1CC-852A-7688A0A636BC}"/>
+              </a:ext>
+            </a:extLst>
+          </p:cNvPr>
+          <p:cNvPicPr>
+            <a:picLocks noChangeAspect="1"/>
+          </p:cNvPicPr>
+          <p:nvPr/>
+        </p:nvPicPr>
+        <p:blipFill>
+          <a:blip r:embed="rId3"/>
+          <a:stretch>
+            <a:fillRect/>
+          </a:stretch>
+        </p:blipFill>
+        <p:spPr>
+          <a:xfrm>
+            <a:off x="1457864" y="3063969"/>
+            <a:ext cx="4820309" cy="1896919"/>
+          </a:xfrm>
+          <a:prstGeom prst="rect">
+            <a:avLst/>
+          </a:prstGeom>
+        </p:spPr>
+      </p:pic>
+    </p:spTree>
+    <p:extLst>
+      <p:ext uri="{BB962C8B-B14F-4D97-AF65-F5344CB8AC3E}">
+        <p14:creationId xmlns:p14="http://schemas.microsoft.com/office/powerpoint/2010/main" val="3466280605"/>
+      </p:ext>
+    </p:extLst>
+  </p:cSld>
+  <p:clrMapOvr>
+    <a:masterClrMapping/>
+  </p:clrMapOvr>
+</p:sld>
+</file>
+
+<file path=ppt/slides/slide42.xml><?xml version="1.0" encoding="utf-8"?>
+<p:sld xmlns:a="http://schemas.openxmlformats.org/drawingml/2006/main" xmlns:r="http://schemas.openxmlformats.org/officeDocument/2006/relationships" xmlns:p="http://schemas.openxmlformats.org/presentationml/2006/main">
+  <p:cSld>
+    <p:spTree>
+      <p:nvGrpSpPr>
+        <p:cNvPr id="1" name=""/>
+        <p:cNvGrpSpPr/>
+        <p:nvPr/>
+      </p:nvGrpSpPr>
+      <p:grpSpPr>
+        <a:xfrm>
+          <a:off x="0" y="0"/>
+          <a:ext cx="0" cy="0"/>
+          <a:chOff x="0" y="0"/>
+          <a:chExt cx="0" cy="0"/>
+        </a:xfrm>
+      </p:grpSpPr>
+      <p:sp>
+        <p:nvSpPr>
+          <p:cNvPr id="2" name="Título 1">
+            <a:extLst>
+              <a:ext uri="{FF2B5EF4-FFF2-40B4-BE49-F238E27FC236}">
+                <a16:creationId xmlns:a16="http://schemas.microsoft.com/office/drawing/2014/main" id="{C0D4FF4B-079D-876D-7023-B12B79D3E655}"/>
+              </a:ext>
+            </a:extLst>
+          </p:cNvPr>
+          <p:cNvSpPr>
+            <a:spLocks noGrp="1"/>
+          </p:cNvSpPr>
+          <p:nvPr>
+            <p:ph type="title"/>
+          </p:nvPr>
+        </p:nvSpPr>
+        <p:spPr/>
+        <p:txBody>
+          <a:bodyPr/>
+          <a:lstStyle/>
+          <a:p>
+            <a:r>
+              <a:rPr lang="es-ES" dirty="0"/>
+              <a:t>CD</a:t>
+            </a:r>
+          </a:p>
+        </p:txBody>
+      </p:sp>
+      <p:pic>
+        <p:nvPicPr>
+          <p:cNvPr id="9" name="Marcador de contenido 8">
+            <a:extLst>
+              <a:ext uri="{FF2B5EF4-FFF2-40B4-BE49-F238E27FC236}">
+                <a16:creationId xmlns:a16="http://schemas.microsoft.com/office/drawing/2014/main" id="{ABCD7931-5A5D-6DEA-3F10-724B0489489C}"/>
+              </a:ext>
+            </a:extLst>
+          </p:cNvPr>
+          <p:cNvPicPr>
+            <a:picLocks noGrp="1" noChangeAspect="1"/>
+          </p:cNvPicPr>
+          <p:nvPr>
+            <p:ph idx="1"/>
+          </p:nvPr>
+        </p:nvPicPr>
+        <p:blipFill>
+          <a:blip r:embed="rId2"/>
+          <a:stretch>
+            <a:fillRect/>
+          </a:stretch>
+        </p:blipFill>
+        <p:spPr>
+          <a:xfrm>
+            <a:off x="2467659" y="3191774"/>
+            <a:ext cx="6300238" cy="3184912"/>
+          </a:xfrm>
+        </p:spPr>
+      </p:pic>
+      <p:sp>
+        <p:nvSpPr>
+          <p:cNvPr id="10" name="CuadroTexto 9">
+            <a:extLst>
+              <a:ext uri="{FF2B5EF4-FFF2-40B4-BE49-F238E27FC236}">
+                <a16:creationId xmlns:a16="http://schemas.microsoft.com/office/drawing/2014/main" id="{0BCC2CBE-70CD-603C-09DC-D550BB8CC815}"/>
+              </a:ext>
+            </a:extLst>
+          </p:cNvPr>
+          <p:cNvSpPr txBox="1"/>
+          <p:nvPr/>
+        </p:nvSpPr>
+        <p:spPr>
+          <a:xfrm>
+            <a:off x="374158" y="2018580"/>
+            <a:ext cx="9485834" cy="369332"/>
+          </a:xfrm>
+          <a:prstGeom prst="rect">
+            <a:avLst/>
+          </a:prstGeom>
+          <a:noFill/>
+        </p:spPr>
+        <p:txBody>
+          <a:bodyPr wrap="square" rtlCol="0">
+            <a:spAutoFit/>
+          </a:bodyPr>
+          <a:lstStyle/>
+          <a:p>
+            <a:r>
+              <a:rPr lang="es-ES" dirty="0"/>
+              <a:t>Primero se compila y se sube la imagen a Docker </a:t>
+            </a:r>
+            <a:r>
+              <a:rPr lang="es-ES" dirty="0" err="1"/>
+              <a:t>hub</a:t>
+            </a:r>
+            <a:endParaRPr lang="es-ES" dirty="0"/>
+          </a:p>
+        </p:txBody>
+      </p:sp>
+    </p:spTree>
+    <p:extLst>
+      <p:ext uri="{BB962C8B-B14F-4D97-AF65-F5344CB8AC3E}">
+        <p14:creationId xmlns:p14="http://schemas.microsoft.com/office/powerpoint/2010/main" val="4164825674"/>
+      </p:ext>
+    </p:extLst>
+  </p:cSld>
+  <p:clrMapOvr>
+    <a:masterClrMapping/>
+  </p:clrMapOvr>
+</p:sld>
+</file>
+
+<file path=ppt/slides/slide43.xml><?xml version="1.0" encoding="utf-8"?>
+<p:sld xmlns:a="http://schemas.openxmlformats.org/drawingml/2006/main" xmlns:r="http://schemas.openxmlformats.org/officeDocument/2006/relationships" xmlns:p="http://schemas.openxmlformats.org/presentationml/2006/main">
+  <p:cSld>
+    <p:spTree>
+      <p:nvGrpSpPr>
+        <p:cNvPr id="1" name=""/>
+        <p:cNvGrpSpPr/>
+        <p:nvPr/>
+      </p:nvGrpSpPr>
+      <p:grpSpPr>
+        <a:xfrm>
+          <a:off x="0" y="0"/>
+          <a:ext cx="0" cy="0"/>
+          <a:chOff x="0" y="0"/>
+          <a:chExt cx="0" cy="0"/>
+        </a:xfrm>
+      </p:grpSpPr>
+      <p:sp>
+        <p:nvSpPr>
+          <p:cNvPr id="2" name="Título 1">
+            <a:extLst>
+              <a:ext uri="{FF2B5EF4-FFF2-40B4-BE49-F238E27FC236}">
                 <a16:creationId xmlns:a16="http://schemas.microsoft.com/office/drawing/2014/main" id="{C0D4FF4B-079D-876D-7023-B12B79D3E655}"/>
               </a:ext>
             </a:extLst>
@@ -8634,7 +9238,7 @@
 </p:sld>
 </file>
 
-<file path=ppt/slides/slide39.xml><?xml version="1.0" encoding="utf-8"?>
+<file path=ppt/slides/slide44.xml><?xml version="1.0" encoding="utf-8"?>
 <p:sld xmlns:a="http://schemas.openxmlformats.org/drawingml/2006/main" xmlns:r="http://schemas.openxmlformats.org/officeDocument/2006/relationships" xmlns:p="http://schemas.openxmlformats.org/presentationml/2006/main">
   <p:cSld>
     <p:bg>
@@ -9065,112 +9669,6 @@
     <p:extLst>
       <p:ext uri="{BB962C8B-B14F-4D97-AF65-F5344CB8AC3E}">
         <p14:creationId xmlns:p14="http://schemas.microsoft.com/office/powerpoint/2010/main" val="3501347425"/>
-      </p:ext>
-    </p:extLst>
-  </p:cSld>
-  <p:clrMapOvr>
-    <a:masterClrMapping/>
-  </p:clrMapOvr>
-</p:sld>
-</file>
-
-<file path=ppt/slides/slide4.xml><?xml version="1.0" encoding="utf-8"?>
-<p:sld xmlns:a="http://schemas.openxmlformats.org/drawingml/2006/main" xmlns:r="http://schemas.openxmlformats.org/officeDocument/2006/relationships" xmlns:p="http://schemas.openxmlformats.org/presentationml/2006/main">
-  <p:cSld>
-    <p:spTree>
-      <p:nvGrpSpPr>
-        <p:cNvPr id="1" name=""/>
-        <p:cNvGrpSpPr/>
-        <p:nvPr/>
-      </p:nvGrpSpPr>
-      <p:grpSpPr>
-        <a:xfrm>
-          <a:off x="0" y="0"/>
-          <a:ext cx="0" cy="0"/>
-          <a:chOff x="0" y="0"/>
-          <a:chExt cx="0" cy="0"/>
-        </a:xfrm>
-      </p:grpSpPr>
-      <p:sp>
-        <p:nvSpPr>
-          <p:cNvPr id="2" name="Título 1">
-            <a:extLst>
-              <a:ext uri="{FF2B5EF4-FFF2-40B4-BE49-F238E27FC236}">
-                <a16:creationId xmlns:a16="http://schemas.microsoft.com/office/drawing/2014/main" id="{CD939190-5870-5036-A940-DE3C62F64942}"/>
-              </a:ext>
-            </a:extLst>
-          </p:cNvPr>
-          <p:cNvSpPr>
-            <a:spLocks noGrp="1"/>
-          </p:cNvSpPr>
-          <p:nvPr>
-            <p:ph type="title"/>
-          </p:nvPr>
-        </p:nvSpPr>
-        <p:spPr/>
-        <p:txBody>
-          <a:bodyPr/>
-          <a:lstStyle/>
-          <a:p>
-            <a:r>
-              <a:rPr lang="es-ES" dirty="0"/>
-              <a:t>¿Por qué </a:t>
-            </a:r>
-            <a:r>
-              <a:rPr lang="es-ES" dirty="0" err="1"/>
-              <a:t>ktor</a:t>
-            </a:r>
-            <a:r>
-              <a:rPr lang="es-ES" dirty="0"/>
-              <a:t>?</a:t>
-            </a:r>
-          </a:p>
-        </p:txBody>
-      </p:sp>
-      <p:sp>
-        <p:nvSpPr>
-          <p:cNvPr id="3" name="Marcador de contenido 2">
-            <a:extLst>
-              <a:ext uri="{FF2B5EF4-FFF2-40B4-BE49-F238E27FC236}">
-                <a16:creationId xmlns:a16="http://schemas.microsoft.com/office/drawing/2014/main" id="{02FBAC2C-EABE-FC50-1AEC-3695564B6253}"/>
-              </a:ext>
-            </a:extLst>
-          </p:cNvPr>
-          <p:cNvSpPr>
-            <a:spLocks noGrp="1"/>
-          </p:cNvSpPr>
-          <p:nvPr>
-            <p:ph idx="1"/>
-          </p:nvPr>
-        </p:nvSpPr>
-        <p:spPr/>
-        <p:txBody>
-          <a:bodyPr/>
-          <a:lstStyle/>
-          <a:p>
-            <a:r>
-              <a:rPr lang="es-ES" dirty="0" err="1"/>
-              <a:t>Ktor</a:t>
-            </a:r>
-            <a:r>
-              <a:rPr lang="es-ES" dirty="0"/>
-              <a:t> permite desarrollar </a:t>
-            </a:r>
-            <a:r>
-              <a:rPr lang="es-ES" dirty="0" err="1"/>
-              <a:t>apis</a:t>
-            </a:r>
-            <a:r>
-              <a:rPr lang="es-ES" dirty="0"/>
-              <a:t> rápido y además tiene mucho mejor rendimiento que alternativas sus alternativas como Spring.</a:t>
-            </a:r>
-          </a:p>
-        </p:txBody>
-      </p:sp>
-    </p:spTree>
-    <p:extLst>
-      <p:ext uri="{BB962C8B-B14F-4D97-AF65-F5344CB8AC3E}">
-        <p14:creationId xmlns:p14="http://schemas.microsoft.com/office/powerpoint/2010/main" val="1571809727"/>
       </p:ext>
     </p:extLst>
   </p:cSld>
@@ -10615,6 +11113,14 @@
 </file>
 
 <file path=customXml/item1.xml><?xml version="1.0" encoding="utf-8"?>
+<p:properties xmlns:p="http://schemas.microsoft.com/office/2006/metadata/properties" xmlns:xsi="http://www.w3.org/2001/XMLSchema-instance" xmlns:pc="http://schemas.microsoft.com/office/infopath/2007/PartnerControls">
+  <documentManagement>
+    <_activity xmlns="669941d9-8c40-494f-914b-e937a1d7a1f3" xsi:nil="true"/>
+  </documentManagement>
+</p:properties>
+</file>
+
+<file path=customXml/item2.xml><?xml version="1.0" encoding="utf-8"?>
 <ct:contentTypeSchema xmlns:ct="http://schemas.microsoft.com/office/2006/metadata/contentType" xmlns:ma="http://schemas.microsoft.com/office/2006/metadata/properties/metaAttributes" ct:_="" ma:_="" ma:contentTypeName="Documento" ma:contentTypeID="0x01010018269F7D5DC8954DA04858F658EE68F4" ma:contentTypeVersion="9" ma:contentTypeDescription="Crear nuevo documento." ma:contentTypeScope="" ma:versionID="4233307990cb3217e9fe0af0931c338e">
   <xsd:schema xmlns:xsd="http://www.w3.org/2001/XMLSchema" xmlns:xs="http://www.w3.org/2001/XMLSchema" xmlns:p="http://schemas.microsoft.com/office/2006/metadata/properties" xmlns:ns3="669941d9-8c40-494f-914b-e937a1d7a1f3" xmlns:ns4="a3230ccd-d45a-4e3a-9e52-413f0e144af1" targetNamespace="http://schemas.microsoft.com/office/2006/metadata/properties" ma:root="true" ma:fieldsID="db81fbfb21eb799e2b606b6897bfd034" ns3:_="" ns4:_="">
     <xsd:import namespace="669941d9-8c40-494f-914b-e937a1d7a1f3"/>
@@ -10811,7 +11317,7 @@
 </ct:contentTypeSchema>
 </file>
 
-<file path=customXml/item2.xml><?xml version="1.0" encoding="utf-8"?>
+<file path=customXml/item3.xml><?xml version="1.0" encoding="utf-8"?>
 <?mso-contentType ?>
 <FormTemplates xmlns="http://schemas.microsoft.com/sharepoint/v3/contenttype/forms">
   <Display>DocumentLibraryForm</Display>
@@ -10820,15 +11326,24 @@
 </FormTemplates>
 </file>
 
-<file path=customXml/item3.xml><?xml version="1.0" encoding="utf-8"?>
-<p:properties xmlns:p="http://schemas.microsoft.com/office/2006/metadata/properties" xmlns:xsi="http://www.w3.org/2001/XMLSchema-instance" xmlns:pc="http://schemas.microsoft.com/office/infopath/2007/PartnerControls">
-  <documentManagement>
-    <_activity xmlns="669941d9-8c40-494f-914b-e937a1d7a1f3" xsi:nil="true"/>
-  </documentManagement>
-</p:properties>
+<file path=customXml/itemProps1.xml><?xml version="1.0" encoding="utf-8"?>
+<ds:datastoreItem xmlns:ds="http://schemas.openxmlformats.org/officeDocument/2006/customXml" ds:itemID="{2B163748-C438-44EA-8D86-43437C8578F5}">
+  <ds:schemaRefs>
+    <ds:schemaRef ds:uri="669941d9-8c40-494f-914b-e937a1d7a1f3"/>
+    <ds:schemaRef ds:uri="http://purl.org/dc/dcmitype/"/>
+    <ds:schemaRef ds:uri="http://purl.org/dc/elements/1.1/"/>
+    <ds:schemaRef ds:uri="http://schemas.microsoft.com/office/2006/documentManagement/types"/>
+    <ds:schemaRef ds:uri="http://schemas.microsoft.com/office/2006/metadata/properties"/>
+    <ds:schemaRef ds:uri="http://schemas.openxmlformats.org/package/2006/metadata/core-properties"/>
+    <ds:schemaRef ds:uri="http://www.w3.org/XML/1998/namespace"/>
+    <ds:schemaRef ds:uri="http://schemas.microsoft.com/office/infopath/2007/PartnerControls"/>
+    <ds:schemaRef ds:uri="a3230ccd-d45a-4e3a-9e52-413f0e144af1"/>
+    <ds:schemaRef ds:uri="http://purl.org/dc/terms/"/>
+  </ds:schemaRefs>
+</ds:datastoreItem>
 </file>
 
-<file path=customXml/itemProps1.xml><?xml version="1.0" encoding="utf-8"?>
+<file path=customXml/itemProps2.xml><?xml version="1.0" encoding="utf-8"?>
 <ds:datastoreItem xmlns:ds="http://schemas.openxmlformats.org/officeDocument/2006/customXml" ds:itemID="{01E6172F-AE9B-4D98-AB13-05657A5CF59A}">
   <ds:schemaRefs>
     <ds:schemaRef ds:uri="http://schemas.microsoft.com/office/2006/metadata/contentType"/>
@@ -10847,27 +11362,10 @@
 </ds:datastoreItem>
 </file>
 
-<file path=customXml/itemProps2.xml><?xml version="1.0" encoding="utf-8"?>
+<file path=customXml/itemProps3.xml><?xml version="1.0" encoding="utf-8"?>
 <ds:datastoreItem xmlns:ds="http://schemas.openxmlformats.org/officeDocument/2006/customXml" ds:itemID="{F5DAA923-7BD4-4FE1-8A59-44C02990512F}">
   <ds:schemaRefs>
     <ds:schemaRef ds:uri="http://schemas.microsoft.com/sharepoint/v3/contenttype/forms"/>
   </ds:schemaRefs>
 </ds:datastoreItem>
-</file>
-
-<file path=customXml/itemProps3.xml><?xml version="1.0" encoding="utf-8"?>
-<ds:datastoreItem xmlns:ds="http://schemas.openxmlformats.org/officeDocument/2006/customXml" ds:itemID="{2B163748-C438-44EA-8D86-43437C8578F5}">
-  <ds:schemaRefs>
-    <ds:schemaRef ds:uri="http://schemas.openxmlformats.org/package/2006/metadata/core-properties"/>
-    <ds:schemaRef ds:uri="http://purl.org/dc/dcmitype/"/>
-    <ds:schemaRef ds:uri="http://schemas.microsoft.com/office/2006/metadata/properties"/>
-    <ds:schemaRef ds:uri="http://schemas.microsoft.com/office/2006/documentManagement/types"/>
-    <ds:schemaRef ds:uri="http://www.w3.org/XML/1998/namespace"/>
-    <ds:schemaRef ds:uri="http://purl.org/dc/elements/1.1/"/>
-    <ds:schemaRef ds:uri="http://schemas.microsoft.com/office/infopath/2007/PartnerControls"/>
-    <ds:schemaRef ds:uri="a3230ccd-d45a-4e3a-9e52-413f0e144af1"/>
-    <ds:schemaRef ds:uri="669941d9-8c40-494f-914b-e937a1d7a1f3"/>
-    <ds:schemaRef ds:uri="http://purl.org/dc/terms/"/>
-  </ds:schemaRefs>
-</ds:datastoreItem>
 </file>